--- a/public/Présentation.pptx
+++ b/public/Présentation.pptx
@@ -6,12 +6,14 @@
   </p:sldMasterIdLst>
   <p:sldIdLst>
     <p:sldId id="256" r:id="rId2"/>
-    <p:sldId id="260" r:id="rId3"/>
-    <p:sldId id="257" r:id="rId4"/>
-    <p:sldId id="261" r:id="rId5"/>
-    <p:sldId id="262" r:id="rId6"/>
-    <p:sldId id="263" r:id="rId7"/>
-    <p:sldId id="259" r:id="rId8"/>
+    <p:sldId id="265" r:id="rId3"/>
+    <p:sldId id="260" r:id="rId4"/>
+    <p:sldId id="257" r:id="rId5"/>
+    <p:sldId id="261" r:id="rId6"/>
+    <p:sldId id="262" r:id="rId7"/>
+    <p:sldId id="263" r:id="rId8"/>
+    <p:sldId id="259" r:id="rId9"/>
+    <p:sldId id="264" r:id="rId10"/>
   </p:sldIdLst>
   <p:sldSz cx="12192000" cy="6858000"/>
   <p:notesSz cx="6858000" cy="9144000"/>
@@ -121,1112 +123,9 @@
 <file path=ppt/revisionInfo.xml><?xml version="1.0" encoding="utf-8"?>
 <p1510:revInfo xmlns:a="http://schemas.openxmlformats.org/drawingml/2006/main" xmlns:r="http://schemas.openxmlformats.org/officeDocument/2006/relationships" xmlns:p1510="http://schemas.microsoft.com/office/powerpoint/2015/10/main">
   <p1510:revLst>
-    <p1510:client id="{EE6B50AB-62A1-037F-AA72-78BE5508DC20}" v="202" dt="2024-09-27T11:26:13.062"/>
+    <p1510:client id="{B353C6AC-EBD9-AB87-2FEA-50653383A76A}" v="18" dt="2025-03-12T09:24:16.085"/>
   </p1510:revLst>
 </p1510:revInfo>
-</file>
-
-<file path=ppt/changesInfos/changesInfo1.xml><?xml version="1.0" encoding="utf-8"?>
-<pc:chgInfo xmlns:a="http://schemas.openxmlformats.org/drawingml/2006/main" xmlns:r="http://schemas.openxmlformats.org/officeDocument/2006/relationships" xmlns:ac="http://schemas.microsoft.com/office/drawing/2013/main/command" xmlns:pc="http://schemas.microsoft.com/office/powerpoint/2013/main/command">
-  <pc:docChgLst>
-    <pc:chgData name="Mathias DABSENCE" userId="S::mathias.dabsence@ortmontreuil.fr::dac2fe1d-e19f-47b3-acab-313035156042" providerId="AD" clId="Web-{93AB7A47-607B-26D1-5367-94A469767E9B}"/>
-    <pc:docChg chg="modSld">
-      <pc:chgData name="Mathias DABSENCE" userId="S::mathias.dabsence@ortmontreuil.fr::dac2fe1d-e19f-47b3-acab-313035156042" providerId="AD" clId="Web-{93AB7A47-607B-26D1-5367-94A469767E9B}" dt="2024-09-10T12:18:18.327" v="3"/>
-      <pc:docMkLst>
-        <pc:docMk/>
-      </pc:docMkLst>
-      <pc:sldChg chg="modSp">
-        <pc:chgData name="Mathias DABSENCE" userId="S::mathias.dabsence@ortmontreuil.fr::dac2fe1d-e19f-47b3-acab-313035156042" providerId="AD" clId="Web-{93AB7A47-607B-26D1-5367-94A469767E9B}" dt="2024-09-10T12:18:18.327" v="3"/>
-        <pc:sldMkLst>
-          <pc:docMk/>
-          <pc:sldMk cId="3576723519" sldId="259"/>
-        </pc:sldMkLst>
-        <pc:graphicFrameChg chg="modGraphic">
-          <ac:chgData name="Mathias DABSENCE" userId="S::mathias.dabsence@ortmontreuil.fr::dac2fe1d-e19f-47b3-acab-313035156042" providerId="AD" clId="Web-{93AB7A47-607B-26D1-5367-94A469767E9B}" dt="2024-09-10T12:18:18.327" v="3"/>
-          <ac:graphicFrameMkLst>
-            <pc:docMk/>
-            <pc:sldMk cId="3576723519" sldId="259"/>
-            <ac:graphicFrameMk id="5" creationId="{55E64EFC-DFFA-58D4-41DC-2B68BE1D8564}"/>
-          </ac:graphicFrameMkLst>
-        </pc:graphicFrameChg>
-      </pc:sldChg>
-    </pc:docChg>
-  </pc:docChgLst>
-  <pc:docChgLst>
-    <pc:chgData name="Mathias DABSENCE" userId="S::mathias.dabsence@ortmontreuil.fr::dac2fe1d-e19f-47b3-acab-313035156042" providerId="AD" clId="Web-{CB885600-A4AC-4353-2F07-92F08F8537E4}"/>
-    <pc:docChg chg="addSld delSld modSld sldOrd">
-      <pc:chgData name="Mathias DABSENCE" userId="S::mathias.dabsence@ortmontreuil.fr::dac2fe1d-e19f-47b3-acab-313035156042" providerId="AD" clId="Web-{CB885600-A4AC-4353-2F07-92F08F8537E4}" dt="2024-09-05T12:17:08.740" v="196"/>
-      <pc:docMkLst>
-        <pc:docMk/>
-      </pc:docMkLst>
-      <pc:sldChg chg="modSp">
-        <pc:chgData name="Mathias DABSENCE" userId="S::mathias.dabsence@ortmontreuil.fr::dac2fe1d-e19f-47b3-acab-313035156042" providerId="AD" clId="Web-{CB885600-A4AC-4353-2F07-92F08F8537E4}" dt="2024-09-05T11:43:47.575" v="11" actId="20577"/>
-        <pc:sldMkLst>
-          <pc:docMk/>
-          <pc:sldMk cId="3198833544" sldId="257"/>
-        </pc:sldMkLst>
-        <pc:spChg chg="mod">
-          <ac:chgData name="Mathias DABSENCE" userId="S::mathias.dabsence@ortmontreuil.fr::dac2fe1d-e19f-47b3-acab-313035156042" providerId="AD" clId="Web-{CB885600-A4AC-4353-2F07-92F08F8537E4}" dt="2024-09-05T11:43:47.575" v="11" actId="20577"/>
-          <ac:spMkLst>
-            <pc:docMk/>
-            <pc:sldMk cId="3198833544" sldId="257"/>
-            <ac:spMk id="2" creationId="{C24474E3-6DBF-2F49-A85A-63CFD20F4301}"/>
-          </ac:spMkLst>
-        </pc:spChg>
-        <pc:spChg chg="mod">
-          <ac:chgData name="Mathias DABSENCE" userId="S::mathias.dabsence@ortmontreuil.fr::dac2fe1d-e19f-47b3-acab-313035156042" providerId="AD" clId="Web-{CB885600-A4AC-4353-2F07-92F08F8537E4}" dt="2024-09-05T11:43:45.590" v="9" actId="20577"/>
-          <ac:spMkLst>
-            <pc:docMk/>
-            <pc:sldMk cId="3198833544" sldId="257"/>
-            <ac:spMk id="3" creationId="{7BC7CC69-6F54-789D-33BE-2AD63AF0D295}"/>
-          </ac:spMkLst>
-        </pc:spChg>
-      </pc:sldChg>
-      <pc:sldChg chg="del">
-        <pc:chgData name="Mathias DABSENCE" userId="S::mathias.dabsence@ortmontreuil.fr::dac2fe1d-e19f-47b3-acab-313035156042" providerId="AD" clId="Web-{CB885600-A4AC-4353-2F07-92F08F8537E4}" dt="2024-09-05T11:51:02.908" v="124"/>
-        <pc:sldMkLst>
-          <pc:docMk/>
-          <pc:sldMk cId="2452104265" sldId="258"/>
-        </pc:sldMkLst>
-      </pc:sldChg>
-      <pc:sldChg chg="addSp delSp modSp new ord">
-        <pc:chgData name="Mathias DABSENCE" userId="S::mathias.dabsence@ortmontreuil.fr::dac2fe1d-e19f-47b3-acab-313035156042" providerId="AD" clId="Web-{CB885600-A4AC-4353-2F07-92F08F8537E4}" dt="2024-09-05T12:17:08.740" v="196"/>
-        <pc:sldMkLst>
-          <pc:docMk/>
-          <pc:sldMk cId="3576723519" sldId="259"/>
-        </pc:sldMkLst>
-        <pc:spChg chg="del">
-          <ac:chgData name="Mathias DABSENCE" userId="S::mathias.dabsence@ortmontreuil.fr::dac2fe1d-e19f-47b3-acab-313035156042" providerId="AD" clId="Web-{CB885600-A4AC-4353-2F07-92F08F8537E4}" dt="2024-09-05T11:42:48.730" v="2"/>
-          <ac:spMkLst>
-            <pc:docMk/>
-            <pc:sldMk cId="3576723519" sldId="259"/>
-            <ac:spMk id="2" creationId="{FFE40FF8-422D-4FD7-094E-B3723E9FCE01}"/>
-          </ac:spMkLst>
-        </pc:spChg>
-        <pc:spChg chg="del">
-          <ac:chgData name="Mathias DABSENCE" userId="S::mathias.dabsence@ortmontreuil.fr::dac2fe1d-e19f-47b3-acab-313035156042" providerId="AD" clId="Web-{CB885600-A4AC-4353-2F07-92F08F8537E4}" dt="2024-09-05T11:42:38.949" v="1"/>
-          <ac:spMkLst>
-            <pc:docMk/>
-            <pc:sldMk cId="3576723519" sldId="259"/>
-            <ac:spMk id="3" creationId="{D6AB641C-2E51-186F-D157-2CD630CFC7F0}"/>
-          </ac:spMkLst>
-        </pc:spChg>
-        <pc:graphicFrameChg chg="add mod ord modGraphic">
-          <ac:chgData name="Mathias DABSENCE" userId="S::mathias.dabsence@ortmontreuil.fr::dac2fe1d-e19f-47b3-acab-313035156042" providerId="AD" clId="Web-{CB885600-A4AC-4353-2F07-92F08F8537E4}" dt="2024-09-05T12:17:08.740" v="196"/>
-          <ac:graphicFrameMkLst>
-            <pc:docMk/>
-            <pc:sldMk cId="3576723519" sldId="259"/>
-            <ac:graphicFrameMk id="5" creationId="{55E64EFC-DFFA-58D4-41DC-2B68BE1D8564}"/>
-          </ac:graphicFrameMkLst>
-        </pc:graphicFrameChg>
-      </pc:sldChg>
-      <pc:sldChg chg="modSp new ord">
-        <pc:chgData name="Mathias DABSENCE" userId="S::mathias.dabsence@ortmontreuil.fr::dac2fe1d-e19f-47b3-acab-313035156042" providerId="AD" clId="Web-{CB885600-A4AC-4353-2F07-92F08F8537E4}" dt="2024-09-05T11:46:12.467" v="76" actId="20577"/>
-        <pc:sldMkLst>
-          <pc:docMk/>
-          <pc:sldMk cId="3639831743" sldId="260"/>
-        </pc:sldMkLst>
-        <pc:spChg chg="mod">
-          <ac:chgData name="Mathias DABSENCE" userId="S::mathias.dabsence@ortmontreuil.fr::dac2fe1d-e19f-47b3-acab-313035156042" providerId="AD" clId="Web-{CB885600-A4AC-4353-2F07-92F08F8537E4}" dt="2024-09-05T11:44:13.966" v="31" actId="20577"/>
-          <ac:spMkLst>
-            <pc:docMk/>
-            <pc:sldMk cId="3639831743" sldId="260"/>
-            <ac:spMk id="2" creationId="{D52291DF-881A-8ABE-96BC-DFD3319D5E42}"/>
-          </ac:spMkLst>
-        </pc:spChg>
-        <pc:spChg chg="mod">
-          <ac:chgData name="Mathias DABSENCE" userId="S::mathias.dabsence@ortmontreuil.fr::dac2fe1d-e19f-47b3-acab-313035156042" providerId="AD" clId="Web-{CB885600-A4AC-4353-2F07-92F08F8537E4}" dt="2024-09-05T11:46:12.467" v="76" actId="20577"/>
-          <ac:spMkLst>
-            <pc:docMk/>
-            <pc:sldMk cId="3639831743" sldId="260"/>
-            <ac:spMk id="3" creationId="{E201DA5C-5829-022E-BECF-DB687ADD3B01}"/>
-          </ac:spMkLst>
-        </pc:spChg>
-      </pc:sldChg>
-      <pc:sldChg chg="modSp new">
-        <pc:chgData name="Mathias DABSENCE" userId="S::mathias.dabsence@ortmontreuil.fr::dac2fe1d-e19f-47b3-acab-313035156042" providerId="AD" clId="Web-{CB885600-A4AC-4353-2F07-92F08F8537E4}" dt="2024-09-05T11:48:28.625" v="89" actId="20577"/>
-        <pc:sldMkLst>
-          <pc:docMk/>
-          <pc:sldMk cId="1481080014" sldId="261"/>
-        </pc:sldMkLst>
-        <pc:spChg chg="mod">
-          <ac:chgData name="Mathias DABSENCE" userId="S::mathias.dabsence@ortmontreuil.fr::dac2fe1d-e19f-47b3-acab-313035156042" providerId="AD" clId="Web-{CB885600-A4AC-4353-2F07-92F08F8537E4}" dt="2024-09-05T11:48:28.625" v="89" actId="20577"/>
-          <ac:spMkLst>
-            <pc:docMk/>
-            <pc:sldMk cId="1481080014" sldId="261"/>
-            <ac:spMk id="2" creationId="{62784B1B-D8D3-BD78-C9B2-8167E5FE3A40}"/>
-          </ac:spMkLst>
-        </pc:spChg>
-      </pc:sldChg>
-      <pc:sldChg chg="modSp new">
-        <pc:chgData name="Mathias DABSENCE" userId="S::mathias.dabsence@ortmontreuil.fr::dac2fe1d-e19f-47b3-acab-313035156042" providerId="AD" clId="Web-{CB885600-A4AC-4353-2F07-92F08F8537E4}" dt="2024-09-05T11:49:59.564" v="95" actId="20577"/>
-        <pc:sldMkLst>
-          <pc:docMk/>
-          <pc:sldMk cId="87833669" sldId="262"/>
-        </pc:sldMkLst>
-        <pc:spChg chg="mod">
-          <ac:chgData name="Mathias DABSENCE" userId="S::mathias.dabsence@ortmontreuil.fr::dac2fe1d-e19f-47b3-acab-313035156042" providerId="AD" clId="Web-{CB885600-A4AC-4353-2F07-92F08F8537E4}" dt="2024-09-05T11:49:59.564" v="95" actId="20577"/>
-          <ac:spMkLst>
-            <pc:docMk/>
-            <pc:sldMk cId="87833669" sldId="262"/>
-            <ac:spMk id="2" creationId="{B4A2BC57-7B34-97ED-E775-4CBC1B6BD6DC}"/>
-          </ac:spMkLst>
-        </pc:spChg>
-      </pc:sldChg>
-      <pc:sldChg chg="modSp new">
-        <pc:chgData name="Mathias DABSENCE" userId="S::mathias.dabsence@ortmontreuil.fr::dac2fe1d-e19f-47b3-acab-313035156042" providerId="AD" clId="Web-{CB885600-A4AC-4353-2F07-92F08F8537E4}" dt="2024-09-05T11:50:50.736" v="122" actId="20577"/>
-        <pc:sldMkLst>
-          <pc:docMk/>
-          <pc:sldMk cId="2982904602" sldId="263"/>
-        </pc:sldMkLst>
-        <pc:spChg chg="mod">
-          <ac:chgData name="Mathias DABSENCE" userId="S::mathias.dabsence@ortmontreuil.fr::dac2fe1d-e19f-47b3-acab-313035156042" providerId="AD" clId="Web-{CB885600-A4AC-4353-2F07-92F08F8537E4}" dt="2024-09-05T11:50:50.736" v="122" actId="20577"/>
-          <ac:spMkLst>
-            <pc:docMk/>
-            <pc:sldMk cId="2982904602" sldId="263"/>
-            <ac:spMk id="2" creationId="{EE272AB0-6286-A686-F113-D808C2F2A913}"/>
-          </ac:spMkLst>
-        </pc:spChg>
-      </pc:sldChg>
-    </pc:docChg>
-  </pc:docChgLst>
-  <pc:docChgLst>
-    <pc:chgData name="Mathias DABSENCE" userId="S::mathias.dabsence@ortmontreuil.fr::dac2fe1d-e19f-47b3-acab-313035156042" providerId="AD" clId="Web-{8D4346E7-DA25-DDB0-2E6B-A29585E8A292}"/>
-    <pc:docChg chg="modSld">
-      <pc:chgData name="Mathias DABSENCE" userId="S::mathias.dabsence@ortmontreuil.fr::dac2fe1d-e19f-47b3-acab-313035156042" providerId="AD" clId="Web-{8D4346E7-DA25-DDB0-2E6B-A29585E8A292}" dt="2024-09-24T19:33:00.528" v="70"/>
-      <pc:docMkLst>
-        <pc:docMk/>
-      </pc:docMkLst>
-      <pc:sldChg chg="modSp">
-        <pc:chgData name="Mathias DABSENCE" userId="S::mathias.dabsence@ortmontreuil.fr::dac2fe1d-e19f-47b3-acab-313035156042" providerId="AD" clId="Web-{8D4346E7-DA25-DDB0-2E6B-A29585E8A292}" dt="2024-09-24T19:33:00.528" v="70"/>
-        <pc:sldMkLst>
-          <pc:docMk/>
-          <pc:sldMk cId="3576723519" sldId="259"/>
-        </pc:sldMkLst>
-        <pc:graphicFrameChg chg="mod modGraphic">
-          <ac:chgData name="Mathias DABSENCE" userId="S::mathias.dabsence@ortmontreuil.fr::dac2fe1d-e19f-47b3-acab-313035156042" providerId="AD" clId="Web-{8D4346E7-DA25-DDB0-2E6B-A29585E8A292}" dt="2024-09-24T19:33:00.528" v="70"/>
-          <ac:graphicFrameMkLst>
-            <pc:docMk/>
-            <pc:sldMk cId="3576723519" sldId="259"/>
-            <ac:graphicFrameMk id="5" creationId="{55E64EFC-DFFA-58D4-41DC-2B68BE1D8564}"/>
-          </ac:graphicFrameMkLst>
-        </pc:graphicFrameChg>
-      </pc:sldChg>
-      <pc:sldChg chg="modSp">
-        <pc:chgData name="Mathias DABSENCE" userId="S::mathias.dabsence@ortmontreuil.fr::dac2fe1d-e19f-47b3-acab-313035156042" providerId="AD" clId="Web-{8D4346E7-DA25-DDB0-2E6B-A29585E8A292}" dt="2024-09-24T12:54:45.424" v="0" actId="20577"/>
-        <pc:sldMkLst>
-          <pc:docMk/>
-          <pc:sldMk cId="3639831743" sldId="260"/>
-        </pc:sldMkLst>
-        <pc:spChg chg="mod">
-          <ac:chgData name="Mathias DABSENCE" userId="S::mathias.dabsence@ortmontreuil.fr::dac2fe1d-e19f-47b3-acab-313035156042" providerId="AD" clId="Web-{8D4346E7-DA25-DDB0-2E6B-A29585E8A292}" dt="2024-09-24T12:54:45.424" v="0" actId="20577"/>
-          <ac:spMkLst>
-            <pc:docMk/>
-            <pc:sldMk cId="3639831743" sldId="260"/>
-            <ac:spMk id="3" creationId="{E201DA5C-5829-022E-BECF-DB687ADD3B01}"/>
-          </ac:spMkLst>
-        </pc:spChg>
-      </pc:sldChg>
-    </pc:docChg>
-  </pc:docChgLst>
-  <pc:docChgLst>
-    <pc:chgData name="Raphael BENSOUSSAN" userId="S::raphael.bensoussan@ortmontreuil.fr::d7a84aab-575a-46c7-8ee7-842f2debe851" providerId="AD" clId="Web-{C784A06A-6600-9E3B-02B0-AF3124FF2EDE}"/>
-    <pc:docChg chg="addSld modSld sldOrd">
-      <pc:chgData name="Raphael BENSOUSSAN" userId="S::raphael.bensoussan@ortmontreuil.fr::d7a84aab-575a-46c7-8ee7-842f2debe851" providerId="AD" clId="Web-{C784A06A-6600-9E3B-02B0-AF3124FF2EDE}" dt="2023-10-19T11:41:38.267" v="17" actId="1076"/>
-      <pc:docMkLst>
-        <pc:docMk/>
-      </pc:docMkLst>
-      <pc:sldChg chg="modSp">
-        <pc:chgData name="Raphael BENSOUSSAN" userId="S::raphael.bensoussan@ortmontreuil.fr::d7a84aab-575a-46c7-8ee7-842f2debe851" providerId="AD" clId="Web-{C784A06A-6600-9E3B-02B0-AF3124FF2EDE}" dt="2023-10-19T11:40:31.358" v="13" actId="20577"/>
-        <pc:sldMkLst>
-          <pc:docMk/>
-          <pc:sldMk cId="3784089036" sldId="256"/>
-        </pc:sldMkLst>
-        <pc:spChg chg="mod">
-          <ac:chgData name="Raphael BENSOUSSAN" userId="S::raphael.bensoussan@ortmontreuil.fr::d7a84aab-575a-46c7-8ee7-842f2debe851" providerId="AD" clId="Web-{C784A06A-6600-9E3B-02B0-AF3124FF2EDE}" dt="2023-10-19T11:40:31.358" v="13" actId="20577"/>
-          <ac:spMkLst>
-            <pc:docMk/>
-            <pc:sldMk cId="3784089036" sldId="256"/>
-            <ac:spMk id="3" creationId="{00000000-0000-0000-0000-000000000000}"/>
-          </ac:spMkLst>
-        </pc:spChg>
-      </pc:sldChg>
-      <pc:sldChg chg="modSp">
-        <pc:chgData name="Raphael BENSOUSSAN" userId="S::raphael.bensoussan@ortmontreuil.fr::d7a84aab-575a-46c7-8ee7-842f2debe851" providerId="AD" clId="Web-{C784A06A-6600-9E3B-02B0-AF3124FF2EDE}" dt="2023-10-19T11:41:38.267" v="17" actId="1076"/>
-        <pc:sldMkLst>
-          <pc:docMk/>
-          <pc:sldMk cId="3198833544" sldId="257"/>
-        </pc:sldMkLst>
-        <pc:spChg chg="mod">
-          <ac:chgData name="Raphael BENSOUSSAN" userId="S::raphael.bensoussan@ortmontreuil.fr::d7a84aab-575a-46c7-8ee7-842f2debe851" providerId="AD" clId="Web-{C784A06A-6600-9E3B-02B0-AF3124FF2EDE}" dt="2023-10-19T11:41:38.267" v="17" actId="1076"/>
-          <ac:spMkLst>
-            <pc:docMk/>
-            <pc:sldMk cId="3198833544" sldId="257"/>
-            <ac:spMk id="3" creationId="{7BC7CC69-6F54-789D-33BE-2AD63AF0D295}"/>
-          </ac:spMkLst>
-        </pc:spChg>
-      </pc:sldChg>
-      <pc:sldChg chg="addSp delSp modSp new mod ord setBg modClrScheme chgLayout">
-        <pc:chgData name="Raphael BENSOUSSAN" userId="S::raphael.bensoussan@ortmontreuil.fr::d7a84aab-575a-46c7-8ee7-842f2debe851" providerId="AD" clId="Web-{C784A06A-6600-9E3B-02B0-AF3124FF2EDE}" dt="2023-10-19T11:40:07.607" v="10"/>
-        <pc:sldMkLst>
-          <pc:docMk/>
-          <pc:sldMk cId="2452104265" sldId="258"/>
-        </pc:sldMkLst>
-        <pc:spChg chg="mod ord">
-          <ac:chgData name="Raphael BENSOUSSAN" userId="S::raphael.bensoussan@ortmontreuil.fr::d7a84aab-575a-46c7-8ee7-842f2debe851" providerId="AD" clId="Web-{C784A06A-6600-9E3B-02B0-AF3124FF2EDE}" dt="2023-10-19T11:40:07.607" v="10"/>
-          <ac:spMkLst>
-            <pc:docMk/>
-            <pc:sldMk cId="2452104265" sldId="258"/>
-            <ac:spMk id="2" creationId="{AA37A33C-1880-DD62-2C79-364857DF5E92}"/>
-          </ac:spMkLst>
-        </pc:spChg>
-        <pc:spChg chg="del">
-          <ac:chgData name="Raphael BENSOUSSAN" userId="S::raphael.bensoussan@ortmontreuil.fr::d7a84aab-575a-46c7-8ee7-842f2debe851" providerId="AD" clId="Web-{C784A06A-6600-9E3B-02B0-AF3124FF2EDE}" dt="2023-10-19T11:39:28.824" v="2"/>
-          <ac:spMkLst>
-            <pc:docMk/>
-            <pc:sldMk cId="2452104265" sldId="258"/>
-            <ac:spMk id="3" creationId="{6CF60260-CB93-0CCB-7D34-9A9283211371}"/>
-          </ac:spMkLst>
-        </pc:spChg>
-        <pc:spChg chg="add">
-          <ac:chgData name="Raphael BENSOUSSAN" userId="S::raphael.bensoussan@ortmontreuil.fr::d7a84aab-575a-46c7-8ee7-842f2debe851" providerId="AD" clId="Web-{C784A06A-6600-9E3B-02B0-AF3124FF2EDE}" dt="2023-10-19T11:39:55.435" v="7"/>
-          <ac:spMkLst>
-            <pc:docMk/>
-            <pc:sldMk cId="2452104265" sldId="258"/>
-            <ac:spMk id="7" creationId="{042E603F-28B7-4831-BF23-65FBAB13D5FB}"/>
-          </ac:spMkLst>
-        </pc:spChg>
-        <pc:spChg chg="add">
-          <ac:chgData name="Raphael BENSOUSSAN" userId="S::raphael.bensoussan@ortmontreuil.fr::d7a84aab-575a-46c7-8ee7-842f2debe851" providerId="AD" clId="Web-{C784A06A-6600-9E3B-02B0-AF3124FF2EDE}" dt="2023-10-19T11:39:55.435" v="7"/>
-          <ac:spMkLst>
-            <pc:docMk/>
-            <pc:sldMk cId="2452104265" sldId="258"/>
-            <ac:spMk id="9" creationId="{4D39700F-2B10-4402-A7DD-06EE2245880D}"/>
-          </ac:spMkLst>
-        </pc:spChg>
-        <pc:spChg chg="add">
-          <ac:chgData name="Raphael BENSOUSSAN" userId="S::raphael.bensoussan@ortmontreuil.fr::d7a84aab-575a-46c7-8ee7-842f2debe851" providerId="AD" clId="Web-{C784A06A-6600-9E3B-02B0-AF3124FF2EDE}" dt="2023-10-19T11:39:55.435" v="7"/>
-          <ac:spMkLst>
-            <pc:docMk/>
-            <pc:sldMk cId="2452104265" sldId="258"/>
-            <ac:spMk id="11" creationId="{6DA65B90-7B06-4499-91BA-CDDD36132481}"/>
-          </ac:spMkLst>
-        </pc:spChg>
-        <pc:spChg chg="add">
-          <ac:chgData name="Raphael BENSOUSSAN" userId="S::raphael.bensoussan@ortmontreuil.fr::d7a84aab-575a-46c7-8ee7-842f2debe851" providerId="AD" clId="Web-{C784A06A-6600-9E3B-02B0-AF3124FF2EDE}" dt="2023-10-19T11:39:55.435" v="7"/>
-          <ac:spMkLst>
-            <pc:docMk/>
-            <pc:sldMk cId="2452104265" sldId="258"/>
-            <ac:spMk id="13" creationId="{7E65BFC2-BDC8-404D-8A5B-5D18A461B7E7}"/>
-          </ac:spMkLst>
-        </pc:spChg>
-        <pc:spChg chg="add">
-          <ac:chgData name="Raphael BENSOUSSAN" userId="S::raphael.bensoussan@ortmontreuil.fr::d7a84aab-575a-46c7-8ee7-842f2debe851" providerId="AD" clId="Web-{C784A06A-6600-9E3B-02B0-AF3124FF2EDE}" dt="2023-10-19T11:39:55.435" v="7"/>
-          <ac:spMkLst>
-            <pc:docMk/>
-            <pc:sldMk cId="2452104265" sldId="258"/>
-            <ac:spMk id="15" creationId="{A8692CD0-B857-410A-881C-A1F31FB7F298}"/>
-          </ac:spMkLst>
-        </pc:spChg>
-      </pc:sldChg>
-    </pc:docChg>
-  </pc:docChgLst>
-  <pc:docChgLst>
-    <pc:chgData name="Samy HAMMAS" userId="S::samy.hammas@ortmontreuil.fr::3fb6eccd-aff6-489f-b130-283bc6e7178f" providerId="AD" clId="Web-{71156D24-1D3A-4B74-A6A4-A28E3F5B1C84}"/>
-    <pc:docChg chg="modSld addMainMaster delMainMaster">
-      <pc:chgData name="Samy HAMMAS" userId="S::samy.hammas@ortmontreuil.fr::3fb6eccd-aff6-489f-b130-283bc6e7178f" providerId="AD" clId="Web-{71156D24-1D3A-4B74-A6A4-A28E3F5B1C84}" dt="2023-10-19T08:59:37.290" v="9" actId="14100"/>
-      <pc:docMkLst>
-        <pc:docMk/>
-      </pc:docMkLst>
-      <pc:sldChg chg="addSp delSp modSp mod setBg modClrScheme addAnim chgLayout">
-        <pc:chgData name="Samy HAMMAS" userId="S::samy.hammas@ortmontreuil.fr::3fb6eccd-aff6-489f-b130-283bc6e7178f" providerId="AD" clId="Web-{71156D24-1D3A-4B74-A6A4-A28E3F5B1C84}" dt="2023-10-19T08:59:37.290" v="9" actId="14100"/>
-        <pc:sldMkLst>
-          <pc:docMk/>
-          <pc:sldMk cId="3784089036" sldId="256"/>
-        </pc:sldMkLst>
-        <pc:spChg chg="mod">
-          <ac:chgData name="Samy HAMMAS" userId="S::samy.hammas@ortmontreuil.fr::3fb6eccd-aff6-489f-b130-283bc6e7178f" providerId="AD" clId="Web-{71156D24-1D3A-4B74-A6A4-A28E3F5B1C84}" dt="2023-10-19T08:59:37.290" v="9" actId="14100"/>
-          <ac:spMkLst>
-            <pc:docMk/>
-            <pc:sldMk cId="3784089036" sldId="256"/>
-            <ac:spMk id="2" creationId="{00000000-0000-0000-0000-000000000000}"/>
-          </ac:spMkLst>
-        </pc:spChg>
-        <pc:spChg chg="mod">
-          <ac:chgData name="Samy HAMMAS" userId="S::samy.hammas@ortmontreuil.fr::3fb6eccd-aff6-489f-b130-283bc6e7178f" providerId="AD" clId="Web-{71156D24-1D3A-4B74-A6A4-A28E3F5B1C84}" dt="2023-10-19T08:59:15.306" v="4"/>
-          <ac:spMkLst>
-            <pc:docMk/>
-            <pc:sldMk cId="3784089036" sldId="256"/>
-            <ac:spMk id="3" creationId="{00000000-0000-0000-0000-000000000000}"/>
-          </ac:spMkLst>
-        </pc:spChg>
-        <pc:spChg chg="add del">
-          <ac:chgData name="Samy HAMMAS" userId="S::samy.hammas@ortmontreuil.fr::3fb6eccd-aff6-489f-b130-283bc6e7178f" providerId="AD" clId="Web-{71156D24-1D3A-4B74-A6A4-A28E3F5B1C84}" dt="2023-10-19T08:59:15.306" v="4"/>
-          <ac:spMkLst>
-            <pc:docMk/>
-            <pc:sldMk cId="3784089036" sldId="256"/>
-            <ac:spMk id="9" creationId="{8930EBA3-4D2E-42E8-B828-834555328D85}"/>
-          </ac:spMkLst>
-        </pc:spChg>
-        <pc:spChg chg="add del">
-          <ac:chgData name="Samy HAMMAS" userId="S::samy.hammas@ortmontreuil.fr::3fb6eccd-aff6-489f-b130-283bc6e7178f" providerId="AD" clId="Web-{71156D24-1D3A-4B74-A6A4-A28E3F5B1C84}" dt="2023-10-19T08:59:15.306" v="4"/>
-          <ac:spMkLst>
-            <pc:docMk/>
-            <pc:sldMk cId="3784089036" sldId="256"/>
-            <ac:spMk id="11" creationId="{E58B2195-5055-402F-A3E7-53FF0E4980C3}"/>
-          </ac:spMkLst>
-        </pc:spChg>
-        <pc:spChg chg="add del">
-          <ac:chgData name="Samy HAMMAS" userId="S::samy.hammas@ortmontreuil.fr::3fb6eccd-aff6-489f-b130-283bc6e7178f" providerId="AD" clId="Web-{71156D24-1D3A-4B74-A6A4-A28E3F5B1C84}" dt="2023-10-19T08:59:15.306" v="4"/>
-          <ac:spMkLst>
-            <pc:docMk/>
-            <pc:sldMk cId="3784089036" sldId="256"/>
-            <ac:spMk id="13" creationId="{528AA953-F4F9-4DC5-97C7-491F4AF937DC}"/>
-          </ac:spMkLst>
-        </pc:spChg>
-        <pc:spChg chg="add">
-          <ac:chgData name="Samy HAMMAS" userId="S::samy.hammas@ortmontreuil.fr::3fb6eccd-aff6-489f-b130-283bc6e7178f" providerId="AD" clId="Web-{71156D24-1D3A-4B74-A6A4-A28E3F5B1C84}" dt="2023-10-19T08:59:15.306" v="4"/>
-          <ac:spMkLst>
-            <pc:docMk/>
-            <pc:sldMk cId="3784089036" sldId="256"/>
-            <ac:spMk id="18" creationId="{68CA250C-CF5A-4736-9249-D6111F7C5545}"/>
-          </ac:spMkLst>
-        </pc:spChg>
-        <pc:spChg chg="add">
-          <ac:chgData name="Samy HAMMAS" userId="S::samy.hammas@ortmontreuil.fr::3fb6eccd-aff6-489f-b130-283bc6e7178f" providerId="AD" clId="Web-{71156D24-1D3A-4B74-A6A4-A28E3F5B1C84}" dt="2023-10-19T08:59:15.306" v="4"/>
-          <ac:spMkLst>
-            <pc:docMk/>
-            <pc:sldMk cId="3784089036" sldId="256"/>
-            <ac:spMk id="20" creationId="{CE3A6CF1-CE88-42A3-8C77-AE98091E7CCE}"/>
-          </ac:spMkLst>
-        </pc:spChg>
-        <pc:picChg chg="add mod">
-          <ac:chgData name="Samy HAMMAS" userId="S::samy.hammas@ortmontreuil.fr::3fb6eccd-aff6-489f-b130-283bc6e7178f" providerId="AD" clId="Web-{71156D24-1D3A-4B74-A6A4-A28E3F5B1C84}" dt="2023-10-19T08:59:15.306" v="4"/>
-          <ac:picMkLst>
-            <pc:docMk/>
-            <pc:sldMk cId="3784089036" sldId="256"/>
-            <ac:picMk id="4" creationId="{723000AE-6B9E-4100-D1A4-738376A49B78}"/>
-          </ac:picMkLst>
-        </pc:picChg>
-      </pc:sldChg>
-      <pc:sldMasterChg chg="del delSldLayout">
-        <pc:chgData name="Samy HAMMAS" userId="S::samy.hammas@ortmontreuil.fr::3fb6eccd-aff6-489f-b130-283bc6e7178f" providerId="AD" clId="Web-{71156D24-1D3A-4B74-A6A4-A28E3F5B1C84}" dt="2023-10-19T08:58:32.180" v="1"/>
-        <pc:sldMasterMkLst>
-          <pc:docMk/>
-          <pc:sldMasterMk cId="3071127875" sldId="2147483648"/>
-        </pc:sldMasterMkLst>
-        <pc:sldLayoutChg chg="del">
-          <pc:chgData name="Samy HAMMAS" userId="S::samy.hammas@ortmontreuil.fr::3fb6eccd-aff6-489f-b130-283bc6e7178f" providerId="AD" clId="Web-{71156D24-1D3A-4B74-A6A4-A28E3F5B1C84}" dt="2023-10-19T08:58:32.180" v="1"/>
-          <pc:sldLayoutMkLst>
-            <pc:docMk/>
-            <pc:sldMasterMk cId="3071127875" sldId="2147483648"/>
-            <pc:sldLayoutMk cId="3310491181" sldId="2147483649"/>
-          </pc:sldLayoutMkLst>
-        </pc:sldLayoutChg>
-        <pc:sldLayoutChg chg="del">
-          <pc:chgData name="Samy HAMMAS" userId="S::samy.hammas@ortmontreuil.fr::3fb6eccd-aff6-489f-b130-283bc6e7178f" providerId="AD" clId="Web-{71156D24-1D3A-4B74-A6A4-A28E3F5B1C84}" dt="2023-10-19T08:58:32.180" v="1"/>
-          <pc:sldLayoutMkLst>
-            <pc:docMk/>
-            <pc:sldMasterMk cId="3071127875" sldId="2147483648"/>
-            <pc:sldLayoutMk cId="3841795644" sldId="2147483650"/>
-          </pc:sldLayoutMkLst>
-        </pc:sldLayoutChg>
-        <pc:sldLayoutChg chg="del">
-          <pc:chgData name="Samy HAMMAS" userId="S::samy.hammas@ortmontreuil.fr::3fb6eccd-aff6-489f-b130-283bc6e7178f" providerId="AD" clId="Web-{71156D24-1D3A-4B74-A6A4-A28E3F5B1C84}" dt="2023-10-19T08:58:32.180" v="1"/>
-          <pc:sldLayoutMkLst>
-            <pc:docMk/>
-            <pc:sldMasterMk cId="3071127875" sldId="2147483648"/>
-            <pc:sldLayoutMk cId="3466923455" sldId="2147483651"/>
-          </pc:sldLayoutMkLst>
-        </pc:sldLayoutChg>
-        <pc:sldLayoutChg chg="del">
-          <pc:chgData name="Samy HAMMAS" userId="S::samy.hammas@ortmontreuil.fr::3fb6eccd-aff6-489f-b130-283bc6e7178f" providerId="AD" clId="Web-{71156D24-1D3A-4B74-A6A4-A28E3F5B1C84}" dt="2023-10-19T08:58:32.180" v="1"/>
-          <pc:sldLayoutMkLst>
-            <pc:docMk/>
-            <pc:sldMasterMk cId="3071127875" sldId="2147483648"/>
-            <pc:sldLayoutMk cId="3747632232" sldId="2147483652"/>
-          </pc:sldLayoutMkLst>
-        </pc:sldLayoutChg>
-        <pc:sldLayoutChg chg="del">
-          <pc:chgData name="Samy HAMMAS" userId="S::samy.hammas@ortmontreuil.fr::3fb6eccd-aff6-489f-b130-283bc6e7178f" providerId="AD" clId="Web-{71156D24-1D3A-4B74-A6A4-A28E3F5B1C84}" dt="2023-10-19T08:58:32.180" v="1"/>
-          <pc:sldLayoutMkLst>
-            <pc:docMk/>
-            <pc:sldMasterMk cId="3071127875" sldId="2147483648"/>
-            <pc:sldLayoutMk cId="2611866596" sldId="2147483653"/>
-          </pc:sldLayoutMkLst>
-        </pc:sldLayoutChg>
-        <pc:sldLayoutChg chg="del">
-          <pc:chgData name="Samy HAMMAS" userId="S::samy.hammas@ortmontreuil.fr::3fb6eccd-aff6-489f-b130-283bc6e7178f" providerId="AD" clId="Web-{71156D24-1D3A-4B74-A6A4-A28E3F5B1C84}" dt="2023-10-19T08:58:32.180" v="1"/>
-          <pc:sldLayoutMkLst>
-            <pc:docMk/>
-            <pc:sldMasterMk cId="3071127875" sldId="2147483648"/>
-            <pc:sldLayoutMk cId="3395854097" sldId="2147483654"/>
-          </pc:sldLayoutMkLst>
-        </pc:sldLayoutChg>
-        <pc:sldLayoutChg chg="del">
-          <pc:chgData name="Samy HAMMAS" userId="S::samy.hammas@ortmontreuil.fr::3fb6eccd-aff6-489f-b130-283bc6e7178f" providerId="AD" clId="Web-{71156D24-1D3A-4B74-A6A4-A28E3F5B1C84}" dt="2023-10-19T08:58:32.180" v="1"/>
-          <pc:sldLayoutMkLst>
-            <pc:docMk/>
-            <pc:sldMasterMk cId="3071127875" sldId="2147483648"/>
-            <pc:sldLayoutMk cId="4040201302" sldId="2147483655"/>
-          </pc:sldLayoutMkLst>
-        </pc:sldLayoutChg>
-        <pc:sldLayoutChg chg="del">
-          <pc:chgData name="Samy HAMMAS" userId="S::samy.hammas@ortmontreuil.fr::3fb6eccd-aff6-489f-b130-283bc6e7178f" providerId="AD" clId="Web-{71156D24-1D3A-4B74-A6A4-A28E3F5B1C84}" dt="2023-10-19T08:58:32.180" v="1"/>
-          <pc:sldLayoutMkLst>
-            <pc:docMk/>
-            <pc:sldMasterMk cId="3071127875" sldId="2147483648"/>
-            <pc:sldLayoutMk cId="2706407263" sldId="2147483656"/>
-          </pc:sldLayoutMkLst>
-        </pc:sldLayoutChg>
-        <pc:sldLayoutChg chg="del">
-          <pc:chgData name="Samy HAMMAS" userId="S::samy.hammas@ortmontreuil.fr::3fb6eccd-aff6-489f-b130-283bc6e7178f" providerId="AD" clId="Web-{71156D24-1D3A-4B74-A6A4-A28E3F5B1C84}" dt="2023-10-19T08:58:32.180" v="1"/>
-          <pc:sldLayoutMkLst>
-            <pc:docMk/>
-            <pc:sldMasterMk cId="3071127875" sldId="2147483648"/>
-            <pc:sldLayoutMk cId="1610903340" sldId="2147483657"/>
-          </pc:sldLayoutMkLst>
-        </pc:sldLayoutChg>
-        <pc:sldLayoutChg chg="del">
-          <pc:chgData name="Samy HAMMAS" userId="S::samy.hammas@ortmontreuil.fr::3fb6eccd-aff6-489f-b130-283bc6e7178f" providerId="AD" clId="Web-{71156D24-1D3A-4B74-A6A4-A28E3F5B1C84}" dt="2023-10-19T08:58:32.180" v="1"/>
-          <pc:sldLayoutMkLst>
-            <pc:docMk/>
-            <pc:sldMasterMk cId="3071127875" sldId="2147483648"/>
-            <pc:sldLayoutMk cId="4172787210" sldId="2147483658"/>
-          </pc:sldLayoutMkLst>
-        </pc:sldLayoutChg>
-        <pc:sldLayoutChg chg="del">
-          <pc:chgData name="Samy HAMMAS" userId="S::samy.hammas@ortmontreuil.fr::3fb6eccd-aff6-489f-b130-283bc6e7178f" providerId="AD" clId="Web-{71156D24-1D3A-4B74-A6A4-A28E3F5B1C84}" dt="2023-10-19T08:58:32.180" v="1"/>
-          <pc:sldLayoutMkLst>
-            <pc:docMk/>
-            <pc:sldMasterMk cId="3071127875" sldId="2147483648"/>
-            <pc:sldLayoutMk cId="1902177510" sldId="2147483659"/>
-          </pc:sldLayoutMkLst>
-        </pc:sldLayoutChg>
-      </pc:sldMasterChg>
-      <pc:sldMasterChg chg="add del addSldLayout delSldLayout">
-        <pc:chgData name="Samy HAMMAS" userId="S::samy.hammas@ortmontreuil.fr::3fb6eccd-aff6-489f-b130-283bc6e7178f" providerId="AD" clId="Web-{71156D24-1D3A-4B74-A6A4-A28E3F5B1C84}" dt="2023-10-19T08:59:15.306" v="4"/>
-        <pc:sldMasterMkLst>
-          <pc:docMk/>
-          <pc:sldMasterMk cId="1319438903" sldId="2147483699"/>
-        </pc:sldMasterMkLst>
-        <pc:sldLayoutChg chg="add del">
-          <pc:chgData name="Samy HAMMAS" userId="S::samy.hammas@ortmontreuil.fr::3fb6eccd-aff6-489f-b130-283bc6e7178f" providerId="AD" clId="Web-{71156D24-1D3A-4B74-A6A4-A28E3F5B1C84}" dt="2023-10-19T08:59:15.306" v="4"/>
-          <pc:sldLayoutMkLst>
-            <pc:docMk/>
-            <pc:sldMasterMk cId="1319438903" sldId="2147483699"/>
-            <pc:sldLayoutMk cId="3237976430" sldId="2147483688"/>
-          </pc:sldLayoutMkLst>
-        </pc:sldLayoutChg>
-        <pc:sldLayoutChg chg="add del">
-          <pc:chgData name="Samy HAMMAS" userId="S::samy.hammas@ortmontreuil.fr::3fb6eccd-aff6-489f-b130-283bc6e7178f" providerId="AD" clId="Web-{71156D24-1D3A-4B74-A6A4-A28E3F5B1C84}" dt="2023-10-19T08:59:15.306" v="4"/>
-          <pc:sldLayoutMkLst>
-            <pc:docMk/>
-            <pc:sldMasterMk cId="1319438903" sldId="2147483699"/>
-            <pc:sldLayoutMk cId="927489997" sldId="2147483689"/>
-          </pc:sldLayoutMkLst>
-        </pc:sldLayoutChg>
-        <pc:sldLayoutChg chg="add del">
-          <pc:chgData name="Samy HAMMAS" userId="S::samy.hammas@ortmontreuil.fr::3fb6eccd-aff6-489f-b130-283bc6e7178f" providerId="AD" clId="Web-{71156D24-1D3A-4B74-A6A4-A28E3F5B1C84}" dt="2023-10-19T08:59:15.306" v="4"/>
-          <pc:sldLayoutMkLst>
-            <pc:docMk/>
-            <pc:sldMasterMk cId="1319438903" sldId="2147483699"/>
-            <pc:sldLayoutMk cId="1331881415" sldId="2147483690"/>
-          </pc:sldLayoutMkLst>
-        </pc:sldLayoutChg>
-        <pc:sldLayoutChg chg="add del">
-          <pc:chgData name="Samy HAMMAS" userId="S::samy.hammas@ortmontreuil.fr::3fb6eccd-aff6-489f-b130-283bc6e7178f" providerId="AD" clId="Web-{71156D24-1D3A-4B74-A6A4-A28E3F5B1C84}" dt="2023-10-19T08:59:15.306" v="4"/>
-          <pc:sldLayoutMkLst>
-            <pc:docMk/>
-            <pc:sldMasterMk cId="1319438903" sldId="2147483699"/>
-            <pc:sldLayoutMk cId="4208368641" sldId="2147483691"/>
-          </pc:sldLayoutMkLst>
-        </pc:sldLayoutChg>
-        <pc:sldLayoutChg chg="add del">
-          <pc:chgData name="Samy HAMMAS" userId="S::samy.hammas@ortmontreuil.fr::3fb6eccd-aff6-489f-b130-283bc6e7178f" providerId="AD" clId="Web-{71156D24-1D3A-4B74-A6A4-A28E3F5B1C84}" dt="2023-10-19T08:59:15.306" v="4"/>
-          <pc:sldLayoutMkLst>
-            <pc:docMk/>
-            <pc:sldMasterMk cId="1319438903" sldId="2147483699"/>
-            <pc:sldLayoutMk cId="1267484835" sldId="2147483692"/>
-          </pc:sldLayoutMkLst>
-        </pc:sldLayoutChg>
-        <pc:sldLayoutChg chg="add del">
-          <pc:chgData name="Samy HAMMAS" userId="S::samy.hammas@ortmontreuil.fr::3fb6eccd-aff6-489f-b130-283bc6e7178f" providerId="AD" clId="Web-{71156D24-1D3A-4B74-A6A4-A28E3F5B1C84}" dt="2023-10-19T08:59:15.306" v="4"/>
-          <pc:sldLayoutMkLst>
-            <pc:docMk/>
-            <pc:sldMasterMk cId="1319438903" sldId="2147483699"/>
-            <pc:sldLayoutMk cId="299736572" sldId="2147483693"/>
-          </pc:sldLayoutMkLst>
-        </pc:sldLayoutChg>
-        <pc:sldLayoutChg chg="add del">
-          <pc:chgData name="Samy HAMMAS" userId="S::samy.hammas@ortmontreuil.fr::3fb6eccd-aff6-489f-b130-283bc6e7178f" providerId="AD" clId="Web-{71156D24-1D3A-4B74-A6A4-A28E3F5B1C84}" dt="2023-10-19T08:59:15.306" v="4"/>
-          <pc:sldLayoutMkLst>
-            <pc:docMk/>
-            <pc:sldMasterMk cId="1319438903" sldId="2147483699"/>
-            <pc:sldLayoutMk cId="2889662070" sldId="2147483694"/>
-          </pc:sldLayoutMkLst>
-        </pc:sldLayoutChg>
-        <pc:sldLayoutChg chg="add del">
-          <pc:chgData name="Samy HAMMAS" userId="S::samy.hammas@ortmontreuil.fr::3fb6eccd-aff6-489f-b130-283bc6e7178f" providerId="AD" clId="Web-{71156D24-1D3A-4B74-A6A4-A28E3F5B1C84}" dt="2023-10-19T08:59:15.306" v="4"/>
-          <pc:sldLayoutMkLst>
-            <pc:docMk/>
-            <pc:sldMasterMk cId="1319438903" sldId="2147483699"/>
-            <pc:sldLayoutMk cId="1546341628" sldId="2147483695"/>
-          </pc:sldLayoutMkLst>
-        </pc:sldLayoutChg>
-        <pc:sldLayoutChg chg="add del">
-          <pc:chgData name="Samy HAMMAS" userId="S::samy.hammas@ortmontreuil.fr::3fb6eccd-aff6-489f-b130-283bc6e7178f" providerId="AD" clId="Web-{71156D24-1D3A-4B74-A6A4-A28E3F5B1C84}" dt="2023-10-19T08:59:15.306" v="4"/>
-          <pc:sldLayoutMkLst>
-            <pc:docMk/>
-            <pc:sldMasterMk cId="1319438903" sldId="2147483699"/>
-            <pc:sldLayoutMk cId="2068316425" sldId="2147483696"/>
-          </pc:sldLayoutMkLst>
-        </pc:sldLayoutChg>
-        <pc:sldLayoutChg chg="add del">
-          <pc:chgData name="Samy HAMMAS" userId="S::samy.hammas@ortmontreuil.fr::3fb6eccd-aff6-489f-b130-283bc6e7178f" providerId="AD" clId="Web-{71156D24-1D3A-4B74-A6A4-A28E3F5B1C84}" dt="2023-10-19T08:59:15.306" v="4"/>
-          <pc:sldLayoutMkLst>
-            <pc:docMk/>
-            <pc:sldMasterMk cId="1319438903" sldId="2147483699"/>
-            <pc:sldLayoutMk cId="3534208133" sldId="2147483697"/>
-          </pc:sldLayoutMkLst>
-        </pc:sldLayoutChg>
-        <pc:sldLayoutChg chg="add del">
-          <pc:chgData name="Samy HAMMAS" userId="S::samy.hammas@ortmontreuil.fr::3fb6eccd-aff6-489f-b130-283bc6e7178f" providerId="AD" clId="Web-{71156D24-1D3A-4B74-A6A4-A28E3F5B1C84}" dt="2023-10-19T08:59:15.306" v="4"/>
-          <pc:sldLayoutMkLst>
-            <pc:docMk/>
-            <pc:sldMasterMk cId="1319438903" sldId="2147483699"/>
-            <pc:sldLayoutMk cId="1005144750" sldId="2147483698"/>
-          </pc:sldLayoutMkLst>
-        </pc:sldLayoutChg>
-      </pc:sldMasterChg>
-      <pc:sldMasterChg chg="add addSldLayout">
-        <pc:chgData name="Samy HAMMAS" userId="S::samy.hammas@ortmontreuil.fr::3fb6eccd-aff6-489f-b130-283bc6e7178f" providerId="AD" clId="Web-{71156D24-1D3A-4B74-A6A4-A28E3F5B1C84}" dt="2023-10-19T08:59:15.306" v="4"/>
-        <pc:sldMasterMkLst>
-          <pc:docMk/>
-          <pc:sldMasterMk cId="2793289705" sldId="2147483700"/>
-        </pc:sldMasterMkLst>
-        <pc:sldLayoutChg chg="add">
-          <pc:chgData name="Samy HAMMAS" userId="S::samy.hammas@ortmontreuil.fr::3fb6eccd-aff6-489f-b130-283bc6e7178f" providerId="AD" clId="Web-{71156D24-1D3A-4B74-A6A4-A28E3F5B1C84}" dt="2023-10-19T08:59:15.306" v="4"/>
-          <pc:sldLayoutMkLst>
-            <pc:docMk/>
-            <pc:sldMasterMk cId="2793289705" sldId="2147483700"/>
-            <pc:sldLayoutMk cId="3687654281" sldId="2147483701"/>
-          </pc:sldLayoutMkLst>
-        </pc:sldLayoutChg>
-        <pc:sldLayoutChg chg="add">
-          <pc:chgData name="Samy HAMMAS" userId="S::samy.hammas@ortmontreuil.fr::3fb6eccd-aff6-489f-b130-283bc6e7178f" providerId="AD" clId="Web-{71156D24-1D3A-4B74-A6A4-A28E3F5B1C84}" dt="2023-10-19T08:59:15.306" v="4"/>
-          <pc:sldLayoutMkLst>
-            <pc:docMk/>
-            <pc:sldMasterMk cId="2793289705" sldId="2147483700"/>
-            <pc:sldLayoutMk cId="2415928172" sldId="2147483702"/>
-          </pc:sldLayoutMkLst>
-        </pc:sldLayoutChg>
-        <pc:sldLayoutChg chg="add">
-          <pc:chgData name="Samy HAMMAS" userId="S::samy.hammas@ortmontreuil.fr::3fb6eccd-aff6-489f-b130-283bc6e7178f" providerId="AD" clId="Web-{71156D24-1D3A-4B74-A6A4-A28E3F5B1C84}" dt="2023-10-19T08:59:15.306" v="4"/>
-          <pc:sldLayoutMkLst>
-            <pc:docMk/>
-            <pc:sldMasterMk cId="2793289705" sldId="2147483700"/>
-            <pc:sldLayoutMk cId="464234397" sldId="2147483703"/>
-          </pc:sldLayoutMkLst>
-        </pc:sldLayoutChg>
-        <pc:sldLayoutChg chg="add">
-          <pc:chgData name="Samy HAMMAS" userId="S::samy.hammas@ortmontreuil.fr::3fb6eccd-aff6-489f-b130-283bc6e7178f" providerId="AD" clId="Web-{71156D24-1D3A-4B74-A6A4-A28E3F5B1C84}" dt="2023-10-19T08:59:15.306" v="4"/>
-          <pc:sldLayoutMkLst>
-            <pc:docMk/>
-            <pc:sldMasterMk cId="2793289705" sldId="2147483700"/>
-            <pc:sldLayoutMk cId="2057253799" sldId="2147483704"/>
-          </pc:sldLayoutMkLst>
-        </pc:sldLayoutChg>
-        <pc:sldLayoutChg chg="add">
-          <pc:chgData name="Samy HAMMAS" userId="S::samy.hammas@ortmontreuil.fr::3fb6eccd-aff6-489f-b130-283bc6e7178f" providerId="AD" clId="Web-{71156D24-1D3A-4B74-A6A4-A28E3F5B1C84}" dt="2023-10-19T08:59:15.306" v="4"/>
-          <pc:sldLayoutMkLst>
-            <pc:docMk/>
-            <pc:sldMasterMk cId="2793289705" sldId="2147483700"/>
-            <pc:sldLayoutMk cId="53427784" sldId="2147483705"/>
-          </pc:sldLayoutMkLst>
-        </pc:sldLayoutChg>
-        <pc:sldLayoutChg chg="add">
-          <pc:chgData name="Samy HAMMAS" userId="S::samy.hammas@ortmontreuil.fr::3fb6eccd-aff6-489f-b130-283bc6e7178f" providerId="AD" clId="Web-{71156D24-1D3A-4B74-A6A4-A28E3F5B1C84}" dt="2023-10-19T08:59:15.306" v="4"/>
-          <pc:sldLayoutMkLst>
-            <pc:docMk/>
-            <pc:sldMasterMk cId="2793289705" sldId="2147483700"/>
-            <pc:sldLayoutMk cId="4074508164" sldId="2147483706"/>
-          </pc:sldLayoutMkLst>
-        </pc:sldLayoutChg>
-        <pc:sldLayoutChg chg="add">
-          <pc:chgData name="Samy HAMMAS" userId="S::samy.hammas@ortmontreuil.fr::3fb6eccd-aff6-489f-b130-283bc6e7178f" providerId="AD" clId="Web-{71156D24-1D3A-4B74-A6A4-A28E3F5B1C84}" dt="2023-10-19T08:59:15.306" v="4"/>
-          <pc:sldLayoutMkLst>
-            <pc:docMk/>
-            <pc:sldMasterMk cId="2793289705" sldId="2147483700"/>
-            <pc:sldLayoutMk cId="2003939601" sldId="2147483707"/>
-          </pc:sldLayoutMkLst>
-        </pc:sldLayoutChg>
-        <pc:sldLayoutChg chg="add">
-          <pc:chgData name="Samy HAMMAS" userId="S::samy.hammas@ortmontreuil.fr::3fb6eccd-aff6-489f-b130-283bc6e7178f" providerId="AD" clId="Web-{71156D24-1D3A-4B74-A6A4-A28E3F5B1C84}" dt="2023-10-19T08:59:15.306" v="4"/>
-          <pc:sldLayoutMkLst>
-            <pc:docMk/>
-            <pc:sldMasterMk cId="2793289705" sldId="2147483700"/>
-            <pc:sldLayoutMk cId="1191120602" sldId="2147483708"/>
-          </pc:sldLayoutMkLst>
-        </pc:sldLayoutChg>
-        <pc:sldLayoutChg chg="add">
-          <pc:chgData name="Samy HAMMAS" userId="S::samy.hammas@ortmontreuil.fr::3fb6eccd-aff6-489f-b130-283bc6e7178f" providerId="AD" clId="Web-{71156D24-1D3A-4B74-A6A4-A28E3F5B1C84}" dt="2023-10-19T08:59:15.306" v="4"/>
-          <pc:sldLayoutMkLst>
-            <pc:docMk/>
-            <pc:sldMasterMk cId="2793289705" sldId="2147483700"/>
-            <pc:sldLayoutMk cId="4212419917" sldId="2147483709"/>
-          </pc:sldLayoutMkLst>
-        </pc:sldLayoutChg>
-        <pc:sldLayoutChg chg="add">
-          <pc:chgData name="Samy HAMMAS" userId="S::samy.hammas@ortmontreuil.fr::3fb6eccd-aff6-489f-b130-283bc6e7178f" providerId="AD" clId="Web-{71156D24-1D3A-4B74-A6A4-A28E3F5B1C84}" dt="2023-10-19T08:59:15.306" v="4"/>
-          <pc:sldLayoutMkLst>
-            <pc:docMk/>
-            <pc:sldMasterMk cId="2793289705" sldId="2147483700"/>
-            <pc:sldLayoutMk cId="3391309254" sldId="2147483710"/>
-          </pc:sldLayoutMkLst>
-        </pc:sldLayoutChg>
-        <pc:sldLayoutChg chg="add">
-          <pc:chgData name="Samy HAMMAS" userId="S::samy.hammas@ortmontreuil.fr::3fb6eccd-aff6-489f-b130-283bc6e7178f" providerId="AD" clId="Web-{71156D24-1D3A-4B74-A6A4-A28E3F5B1C84}" dt="2023-10-19T08:59:15.306" v="4"/>
-          <pc:sldLayoutMkLst>
-            <pc:docMk/>
-            <pc:sldMasterMk cId="2793289705" sldId="2147483700"/>
-            <pc:sldLayoutMk cId="1202004242" sldId="2147483711"/>
-          </pc:sldLayoutMkLst>
-        </pc:sldLayoutChg>
-      </pc:sldMasterChg>
-    </pc:docChg>
-  </pc:docChgLst>
-  <pc:docChgLst>
-    <pc:chgData name="Samy HAMMAS" userId="S::samy.hammas@ortmontreuil.fr::3fb6eccd-aff6-489f-b130-283bc6e7178f" providerId="AD" clId="Web-{B71A8362-8016-E01A-9EEA-824670E6BA81}"/>
-    <pc:docChg chg="addSld delSld modSld">
-      <pc:chgData name="Samy HAMMAS" userId="S::samy.hammas@ortmontreuil.fr::3fb6eccd-aff6-489f-b130-283bc6e7178f" providerId="AD" clId="Web-{B71A8362-8016-E01A-9EEA-824670E6BA81}" dt="2023-10-19T09:30:28.204" v="429" actId="20577"/>
-      <pc:docMkLst>
-        <pc:docMk/>
-      </pc:docMkLst>
-      <pc:sldChg chg="addSp delSp modSp">
-        <pc:chgData name="Samy HAMMAS" userId="S::samy.hammas@ortmontreuil.fr::3fb6eccd-aff6-489f-b130-283bc6e7178f" providerId="AD" clId="Web-{B71A8362-8016-E01A-9EEA-824670E6BA81}" dt="2023-10-19T09:18:46.272" v="317" actId="20577"/>
-        <pc:sldMkLst>
-          <pc:docMk/>
-          <pc:sldMk cId="3784089036" sldId="256"/>
-        </pc:sldMkLst>
-        <pc:spChg chg="mod">
-          <ac:chgData name="Samy HAMMAS" userId="S::samy.hammas@ortmontreuil.fr::3fb6eccd-aff6-489f-b130-283bc6e7178f" providerId="AD" clId="Web-{B71A8362-8016-E01A-9EEA-824670E6BA81}" dt="2023-10-19T09:03:50.885" v="35" actId="20577"/>
-          <ac:spMkLst>
-            <pc:docMk/>
-            <pc:sldMk cId="3784089036" sldId="256"/>
-            <ac:spMk id="2" creationId="{00000000-0000-0000-0000-000000000000}"/>
-          </ac:spMkLst>
-        </pc:spChg>
-        <pc:spChg chg="mod">
-          <ac:chgData name="Samy HAMMAS" userId="S::samy.hammas@ortmontreuil.fr::3fb6eccd-aff6-489f-b130-283bc6e7178f" providerId="AD" clId="Web-{B71A8362-8016-E01A-9EEA-824670E6BA81}" dt="2023-10-19T09:18:46.272" v="317" actId="20577"/>
-          <ac:spMkLst>
-            <pc:docMk/>
-            <pc:sldMk cId="3784089036" sldId="256"/>
-            <ac:spMk id="3" creationId="{00000000-0000-0000-0000-000000000000}"/>
-          </ac:spMkLst>
-        </pc:spChg>
-        <pc:spChg chg="del">
-          <ac:chgData name="Samy HAMMAS" userId="S::samy.hammas@ortmontreuil.fr::3fb6eccd-aff6-489f-b130-283bc6e7178f" providerId="AD" clId="Web-{B71A8362-8016-E01A-9EEA-824670E6BA81}" dt="2023-10-19T09:03:28.931" v="30"/>
-          <ac:spMkLst>
-            <pc:docMk/>
-            <pc:sldMk cId="3784089036" sldId="256"/>
-            <ac:spMk id="18" creationId="{68CA250C-CF5A-4736-9249-D6111F7C5545}"/>
-          </ac:spMkLst>
-        </pc:spChg>
-        <pc:spChg chg="del">
-          <ac:chgData name="Samy HAMMAS" userId="S::samy.hammas@ortmontreuil.fr::3fb6eccd-aff6-489f-b130-283bc6e7178f" providerId="AD" clId="Web-{B71A8362-8016-E01A-9EEA-824670E6BA81}" dt="2023-10-19T09:03:28.931" v="30"/>
-          <ac:spMkLst>
-            <pc:docMk/>
-            <pc:sldMk cId="3784089036" sldId="256"/>
-            <ac:spMk id="20" creationId="{CE3A6CF1-CE88-42A3-8C77-AE98091E7CCE}"/>
-          </ac:spMkLst>
-        </pc:spChg>
-        <pc:spChg chg="add">
-          <ac:chgData name="Samy HAMMAS" userId="S::samy.hammas@ortmontreuil.fr::3fb6eccd-aff6-489f-b130-283bc6e7178f" providerId="AD" clId="Web-{B71A8362-8016-E01A-9EEA-824670E6BA81}" dt="2023-10-19T09:03:28.931" v="30"/>
-          <ac:spMkLst>
-            <pc:docMk/>
-            <pc:sldMk cId="3784089036" sldId="256"/>
-            <ac:spMk id="25" creationId="{06E15305-164C-44CD-9E0F-420C2DC1B32A}"/>
-          </ac:spMkLst>
-        </pc:spChg>
-        <pc:spChg chg="add">
-          <ac:chgData name="Samy HAMMAS" userId="S::samy.hammas@ortmontreuil.fr::3fb6eccd-aff6-489f-b130-283bc6e7178f" providerId="AD" clId="Web-{B71A8362-8016-E01A-9EEA-824670E6BA81}" dt="2023-10-19T09:03:28.931" v="30"/>
-          <ac:spMkLst>
-            <pc:docMk/>
-            <pc:sldMk cId="3784089036" sldId="256"/>
-            <ac:spMk id="27" creationId="{80F95058-E82A-4E42-BF04-3FBDDE99F208}"/>
-          </ac:spMkLst>
-        </pc:spChg>
-        <pc:grpChg chg="add">
-          <ac:chgData name="Samy HAMMAS" userId="S::samy.hammas@ortmontreuil.fr::3fb6eccd-aff6-489f-b130-283bc6e7178f" providerId="AD" clId="Web-{B71A8362-8016-E01A-9EEA-824670E6BA81}" dt="2023-10-19T09:03:28.931" v="30"/>
-          <ac:grpSpMkLst>
-            <pc:docMk/>
-            <pc:sldMk cId="3784089036" sldId="256"/>
-            <ac:grpSpMk id="29" creationId="{7D39823A-3352-4987-8592-4B3CB582CA01}"/>
-          </ac:grpSpMkLst>
-        </pc:grpChg>
-        <pc:picChg chg="mod ord">
-          <ac:chgData name="Samy HAMMAS" userId="S::samy.hammas@ortmontreuil.fr::3fb6eccd-aff6-489f-b130-283bc6e7178f" providerId="AD" clId="Web-{B71A8362-8016-E01A-9EEA-824670E6BA81}" dt="2023-10-19T09:05:12.573" v="72" actId="1076"/>
-          <ac:picMkLst>
-            <pc:docMk/>
-            <pc:sldMk cId="3784089036" sldId="256"/>
-            <ac:picMk id="4" creationId="{723000AE-6B9E-4100-D1A4-738376A49B78}"/>
-          </ac:picMkLst>
-        </pc:picChg>
-        <pc:picChg chg="add mod">
-          <ac:chgData name="Samy HAMMAS" userId="S::samy.hammas@ortmontreuil.fr::3fb6eccd-aff6-489f-b130-283bc6e7178f" providerId="AD" clId="Web-{B71A8362-8016-E01A-9EEA-824670E6BA81}" dt="2023-10-19T09:03:28.931" v="30"/>
-          <ac:picMkLst>
-            <pc:docMk/>
-            <pc:sldMk cId="3784089036" sldId="256"/>
-            <ac:picMk id="5" creationId="{A876643B-4139-A400-276D-462A522AE06B}"/>
-          </ac:picMkLst>
-        </pc:picChg>
-      </pc:sldChg>
-      <pc:sldChg chg="modSp new">
-        <pc:chgData name="Samy HAMMAS" userId="S::samy.hammas@ortmontreuil.fr::3fb6eccd-aff6-489f-b130-283bc6e7178f" providerId="AD" clId="Web-{B71A8362-8016-E01A-9EEA-824670E6BA81}" dt="2023-10-19T09:30:28.204" v="429" actId="20577"/>
-        <pc:sldMkLst>
-          <pc:docMk/>
-          <pc:sldMk cId="3198833544" sldId="257"/>
-        </pc:sldMkLst>
-        <pc:spChg chg="mod">
-          <ac:chgData name="Samy HAMMAS" userId="S::samy.hammas@ortmontreuil.fr::3fb6eccd-aff6-489f-b130-283bc6e7178f" providerId="AD" clId="Web-{B71A8362-8016-E01A-9EEA-824670E6BA81}" dt="2023-10-19T09:16:14.848" v="230" actId="20577"/>
-          <ac:spMkLst>
-            <pc:docMk/>
-            <pc:sldMk cId="3198833544" sldId="257"/>
-            <ac:spMk id="2" creationId="{C24474E3-6DBF-2F49-A85A-63CFD20F4301}"/>
-          </ac:spMkLst>
-        </pc:spChg>
-        <pc:spChg chg="mod">
-          <ac:chgData name="Samy HAMMAS" userId="S::samy.hammas@ortmontreuil.fr::3fb6eccd-aff6-489f-b130-283bc6e7178f" providerId="AD" clId="Web-{B71A8362-8016-E01A-9EEA-824670E6BA81}" dt="2023-10-19T09:30:28.204" v="429" actId="20577"/>
-          <ac:spMkLst>
-            <pc:docMk/>
-            <pc:sldMk cId="3198833544" sldId="257"/>
-            <ac:spMk id="3" creationId="{7BC7CC69-6F54-789D-33BE-2AD63AF0D295}"/>
-          </ac:spMkLst>
-        </pc:spChg>
-      </pc:sldChg>
-      <pc:sldChg chg="modSp new del">
-        <pc:chgData name="Samy HAMMAS" userId="S::samy.hammas@ortmontreuil.fr::3fb6eccd-aff6-489f-b130-283bc6e7178f" providerId="AD" clId="Web-{B71A8362-8016-E01A-9EEA-824670E6BA81}" dt="2023-10-19T09:25:29.966" v="384"/>
-        <pc:sldMkLst>
-          <pc:docMk/>
-          <pc:sldMk cId="3458027898" sldId="258"/>
-        </pc:sldMkLst>
-        <pc:spChg chg="mod">
-          <ac:chgData name="Samy HAMMAS" userId="S::samy.hammas@ortmontreuil.fr::3fb6eccd-aff6-489f-b130-283bc6e7178f" providerId="AD" clId="Web-{B71A8362-8016-E01A-9EEA-824670E6BA81}" dt="2023-10-19T09:10:20.952" v="149" actId="20577"/>
-          <ac:spMkLst>
-            <pc:docMk/>
-            <pc:sldMk cId="3458027898" sldId="258"/>
-            <ac:spMk id="2" creationId="{A81C7ACA-9DDC-2D23-C0AB-55760BF06796}"/>
-          </ac:spMkLst>
-        </pc:spChg>
-      </pc:sldChg>
-    </pc:docChg>
-  </pc:docChgLst>
-  <pc:docChgLst>
-    <pc:chgData name="Mathias DABSENCE" userId="S::mathias.dabsence@ortmontreuil.fr::dac2fe1d-e19f-47b3-acab-313035156042" providerId="AD" clId="Web-{EE6B50AB-62A1-037F-AA72-78BE5508DC20}"/>
-    <pc:docChg chg="modSld">
-      <pc:chgData name="Mathias DABSENCE" userId="S::mathias.dabsence@ortmontreuil.fr::dac2fe1d-e19f-47b3-acab-313035156042" providerId="AD" clId="Web-{EE6B50AB-62A1-037F-AA72-78BE5508DC20}" dt="2024-09-27T11:26:13.062" v="196"/>
-      <pc:docMkLst>
-        <pc:docMk/>
-      </pc:docMkLst>
-      <pc:sldChg chg="modSp">
-        <pc:chgData name="Mathias DABSENCE" userId="S::mathias.dabsence@ortmontreuil.fr::dac2fe1d-e19f-47b3-acab-313035156042" providerId="AD" clId="Web-{EE6B50AB-62A1-037F-AA72-78BE5508DC20}" dt="2024-09-27T11:26:13.062" v="196"/>
-        <pc:sldMkLst>
-          <pc:docMk/>
-          <pc:sldMk cId="3576723519" sldId="259"/>
-        </pc:sldMkLst>
-        <pc:graphicFrameChg chg="mod modGraphic">
-          <ac:chgData name="Mathias DABSENCE" userId="S::mathias.dabsence@ortmontreuil.fr::dac2fe1d-e19f-47b3-acab-313035156042" providerId="AD" clId="Web-{EE6B50AB-62A1-037F-AA72-78BE5508DC20}" dt="2024-09-27T11:26:13.062" v="196"/>
-          <ac:graphicFrameMkLst>
-            <pc:docMk/>
-            <pc:sldMk cId="3576723519" sldId="259"/>
-            <ac:graphicFrameMk id="5" creationId="{55E64EFC-DFFA-58D4-41DC-2B68BE1D8564}"/>
-          </ac:graphicFrameMkLst>
-        </pc:graphicFrameChg>
-      </pc:sldChg>
-      <pc:sldChg chg="modSp">
-        <pc:chgData name="Mathias DABSENCE" userId="S::mathias.dabsence@ortmontreuil.fr::dac2fe1d-e19f-47b3-acab-313035156042" providerId="AD" clId="Web-{EE6B50AB-62A1-037F-AA72-78BE5508DC20}" dt="2024-09-27T11:19:26.454" v="19" actId="20577"/>
-        <pc:sldMkLst>
-          <pc:docMk/>
-          <pc:sldMk cId="3639831743" sldId="260"/>
-        </pc:sldMkLst>
-        <pc:spChg chg="mod">
-          <ac:chgData name="Mathias DABSENCE" userId="S::mathias.dabsence@ortmontreuil.fr::dac2fe1d-e19f-47b3-acab-313035156042" providerId="AD" clId="Web-{EE6B50AB-62A1-037F-AA72-78BE5508DC20}" dt="2024-09-27T11:19:26.454" v="19" actId="20577"/>
-          <ac:spMkLst>
-            <pc:docMk/>
-            <pc:sldMk cId="3639831743" sldId="260"/>
-            <ac:spMk id="3" creationId="{E201DA5C-5829-022E-BECF-DB687ADD3B01}"/>
-          </ac:spMkLst>
-        </pc:spChg>
-      </pc:sldChg>
-      <pc:sldChg chg="modSp">
-        <pc:chgData name="Mathias DABSENCE" userId="S::mathias.dabsence@ortmontreuil.fr::dac2fe1d-e19f-47b3-acab-313035156042" providerId="AD" clId="Web-{EE6B50AB-62A1-037F-AA72-78BE5508DC20}" dt="2024-09-27T11:18:30.655" v="18" actId="20577"/>
-        <pc:sldMkLst>
-          <pc:docMk/>
-          <pc:sldMk cId="1481080014" sldId="261"/>
-        </pc:sldMkLst>
-        <pc:spChg chg="mod">
-          <ac:chgData name="Mathias DABSENCE" userId="S::mathias.dabsence@ortmontreuil.fr::dac2fe1d-e19f-47b3-acab-313035156042" providerId="AD" clId="Web-{EE6B50AB-62A1-037F-AA72-78BE5508DC20}" dt="2024-09-27T11:18:30.655" v="18" actId="20577"/>
-          <ac:spMkLst>
-            <pc:docMk/>
-            <pc:sldMk cId="1481080014" sldId="261"/>
-            <ac:spMk id="3" creationId="{331899A3-5627-DF75-678B-2BB213BF4EF5}"/>
-          </ac:spMkLst>
-        </pc:spChg>
-      </pc:sldChg>
-      <pc:sldChg chg="modSp">
-        <pc:chgData name="Mathias DABSENCE" userId="S::mathias.dabsence@ortmontreuil.fr::dac2fe1d-e19f-47b3-acab-313035156042" providerId="AD" clId="Web-{EE6B50AB-62A1-037F-AA72-78BE5508DC20}" dt="2024-09-27T11:23:39.775" v="106" actId="20577"/>
-        <pc:sldMkLst>
-          <pc:docMk/>
-          <pc:sldMk cId="2982904602" sldId="263"/>
-        </pc:sldMkLst>
-        <pc:spChg chg="mod">
-          <ac:chgData name="Mathias DABSENCE" userId="S::mathias.dabsence@ortmontreuil.fr::dac2fe1d-e19f-47b3-acab-313035156042" providerId="AD" clId="Web-{EE6B50AB-62A1-037F-AA72-78BE5508DC20}" dt="2024-09-27T11:23:39.775" v="106" actId="20577"/>
-          <ac:spMkLst>
-            <pc:docMk/>
-            <pc:sldMk cId="2982904602" sldId="263"/>
-            <ac:spMk id="3" creationId="{9AF2301F-8CAA-5630-EE03-4A6681EE374C}"/>
-          </ac:spMkLst>
-        </pc:spChg>
-      </pc:sldChg>
-    </pc:docChg>
-  </pc:docChgLst>
-  <pc:docChgLst>
-    <pc:chgData name="Mathias DABSENCE" userId="S::mathias.dabsence@ortmontreuil.fr::dac2fe1d-e19f-47b3-acab-313035156042" providerId="AD" clId="Web-{3029D629-9078-8D51-321F-6B6565B0D732}"/>
-    <pc:docChg chg="modSld">
-      <pc:chgData name="Mathias DABSENCE" userId="S::mathias.dabsence@ortmontreuil.fr::dac2fe1d-e19f-47b3-acab-313035156042" providerId="AD" clId="Web-{3029D629-9078-8D51-321F-6B6565B0D732}" dt="2024-09-11T20:55:36.976" v="534" actId="20577"/>
-      <pc:docMkLst>
-        <pc:docMk/>
-      </pc:docMkLst>
-      <pc:sldChg chg="addSp delSp modSp mod setBg">
-        <pc:chgData name="Mathias DABSENCE" userId="S::mathias.dabsence@ortmontreuil.fr::dac2fe1d-e19f-47b3-acab-313035156042" providerId="AD" clId="Web-{3029D629-9078-8D51-321F-6B6565B0D732}" dt="2024-09-11T20:07:38.524" v="183" actId="20577"/>
-        <pc:sldMkLst>
-          <pc:docMk/>
-          <pc:sldMk cId="3198833544" sldId="257"/>
-        </pc:sldMkLst>
-        <pc:spChg chg="mod">
-          <ac:chgData name="Mathias DABSENCE" userId="S::mathias.dabsence@ortmontreuil.fr::dac2fe1d-e19f-47b3-acab-313035156042" providerId="AD" clId="Web-{3029D629-9078-8D51-321F-6B6565B0D732}" dt="2024-09-11T20:07:14.506" v="175"/>
-          <ac:spMkLst>
-            <pc:docMk/>
-            <pc:sldMk cId="3198833544" sldId="257"/>
-            <ac:spMk id="2" creationId="{C24474E3-6DBF-2F49-A85A-63CFD20F4301}"/>
-          </ac:spMkLst>
-        </pc:spChg>
-        <pc:spChg chg="del">
-          <ac:chgData name="Mathias DABSENCE" userId="S::mathias.dabsence@ortmontreuil.fr::dac2fe1d-e19f-47b3-acab-313035156042" providerId="AD" clId="Web-{3029D629-9078-8D51-321F-6B6565B0D732}" dt="2024-09-11T20:07:14.506" v="175"/>
-          <ac:spMkLst>
-            <pc:docMk/>
-            <pc:sldMk cId="3198833544" sldId="257"/>
-            <ac:spMk id="3" creationId="{7BC7CC69-6F54-789D-33BE-2AD63AF0D295}"/>
-          </ac:spMkLst>
-        </pc:spChg>
-        <pc:spChg chg="add">
-          <ac:chgData name="Mathias DABSENCE" userId="S::mathias.dabsence@ortmontreuil.fr::dac2fe1d-e19f-47b3-acab-313035156042" providerId="AD" clId="Web-{3029D629-9078-8D51-321F-6B6565B0D732}" dt="2024-09-11T20:07:14.506" v="175"/>
-          <ac:spMkLst>
-            <pc:docMk/>
-            <pc:sldMk cId="3198833544" sldId="257"/>
-            <ac:spMk id="9" creationId="{B937640E-EF7A-4A6C-A950-D12B7D5C923E}"/>
-          </ac:spMkLst>
-        </pc:spChg>
-        <pc:spChg chg="add">
-          <ac:chgData name="Mathias DABSENCE" userId="S::mathias.dabsence@ortmontreuil.fr::dac2fe1d-e19f-47b3-acab-313035156042" providerId="AD" clId="Web-{3029D629-9078-8D51-321F-6B6565B0D732}" dt="2024-09-11T20:07:14.506" v="175"/>
-          <ac:spMkLst>
-            <pc:docMk/>
-            <pc:sldMk cId="3198833544" sldId="257"/>
-            <ac:spMk id="11" creationId="{6A13B2A7-A44E-4940-9367-4788F2807FB5}"/>
-          </ac:spMkLst>
-        </pc:spChg>
-        <pc:spChg chg="add">
-          <ac:chgData name="Mathias DABSENCE" userId="S::mathias.dabsence@ortmontreuil.fr::dac2fe1d-e19f-47b3-acab-313035156042" providerId="AD" clId="Web-{3029D629-9078-8D51-321F-6B6565B0D732}" dt="2024-09-11T20:07:14.506" v="175"/>
-          <ac:spMkLst>
-            <pc:docMk/>
-            <pc:sldMk cId="3198833544" sldId="257"/>
-            <ac:spMk id="13" creationId="{ADBF9A7D-DF04-4422-981B-76DFC7208897}"/>
-          </ac:spMkLst>
-        </pc:spChg>
-        <pc:graphicFrameChg chg="add modGraphic">
-          <ac:chgData name="Mathias DABSENCE" userId="S::mathias.dabsence@ortmontreuil.fr::dac2fe1d-e19f-47b3-acab-313035156042" providerId="AD" clId="Web-{3029D629-9078-8D51-321F-6B6565B0D732}" dt="2024-09-11T20:07:38.524" v="183" actId="20577"/>
-          <ac:graphicFrameMkLst>
-            <pc:docMk/>
-            <pc:sldMk cId="3198833544" sldId="257"/>
-            <ac:graphicFrameMk id="5" creationId="{08B7C4DA-0C11-A2DE-1F7B-B4E54F54ACFE}"/>
-          </ac:graphicFrameMkLst>
-        </pc:graphicFrameChg>
-      </pc:sldChg>
-      <pc:sldChg chg="modSp">
-        <pc:chgData name="Mathias DABSENCE" userId="S::mathias.dabsence@ortmontreuil.fr::dac2fe1d-e19f-47b3-acab-313035156042" providerId="AD" clId="Web-{3029D629-9078-8D51-321F-6B6565B0D732}" dt="2024-09-11T20:54:30.315" v="532" actId="20577"/>
-        <pc:sldMkLst>
-          <pc:docMk/>
-          <pc:sldMk cId="3639831743" sldId="260"/>
-        </pc:sldMkLst>
-        <pc:spChg chg="mod">
-          <ac:chgData name="Mathias DABSENCE" userId="S::mathias.dabsence@ortmontreuil.fr::dac2fe1d-e19f-47b3-acab-313035156042" providerId="AD" clId="Web-{3029D629-9078-8D51-321F-6B6565B0D732}" dt="2024-09-11T20:54:30.315" v="532" actId="20577"/>
-          <ac:spMkLst>
-            <pc:docMk/>
-            <pc:sldMk cId="3639831743" sldId="260"/>
-            <ac:spMk id="3" creationId="{E201DA5C-5829-022E-BECF-DB687ADD3B01}"/>
-          </ac:spMkLst>
-        </pc:spChg>
-      </pc:sldChg>
-      <pc:sldChg chg="addSp modSp mod setBg">
-        <pc:chgData name="Mathias DABSENCE" userId="S::mathias.dabsence@ortmontreuil.fr::dac2fe1d-e19f-47b3-acab-313035156042" providerId="AD" clId="Web-{3029D629-9078-8D51-321F-6B6565B0D732}" dt="2024-09-11T20:06:59.896" v="174"/>
-        <pc:sldMkLst>
-          <pc:docMk/>
-          <pc:sldMk cId="1481080014" sldId="261"/>
-        </pc:sldMkLst>
-        <pc:spChg chg="mod">
-          <ac:chgData name="Mathias DABSENCE" userId="S::mathias.dabsence@ortmontreuil.fr::dac2fe1d-e19f-47b3-acab-313035156042" providerId="AD" clId="Web-{3029D629-9078-8D51-321F-6B6565B0D732}" dt="2024-09-11T20:06:59.896" v="174"/>
-          <ac:spMkLst>
-            <pc:docMk/>
-            <pc:sldMk cId="1481080014" sldId="261"/>
-            <ac:spMk id="2" creationId="{62784B1B-D8D3-BD78-C9B2-8167E5FE3A40}"/>
-          </ac:spMkLst>
-        </pc:spChg>
-        <pc:spChg chg="mod">
-          <ac:chgData name="Mathias DABSENCE" userId="S::mathias.dabsence@ortmontreuil.fr::dac2fe1d-e19f-47b3-acab-313035156042" providerId="AD" clId="Web-{3029D629-9078-8D51-321F-6B6565B0D732}" dt="2024-09-11T20:06:59.896" v="174"/>
-          <ac:spMkLst>
-            <pc:docMk/>
-            <pc:sldMk cId="1481080014" sldId="261"/>
-            <ac:spMk id="3" creationId="{331899A3-5627-DF75-678B-2BB213BF4EF5}"/>
-          </ac:spMkLst>
-        </pc:spChg>
-        <pc:spChg chg="add">
-          <ac:chgData name="Mathias DABSENCE" userId="S::mathias.dabsence@ortmontreuil.fr::dac2fe1d-e19f-47b3-acab-313035156042" providerId="AD" clId="Web-{3029D629-9078-8D51-321F-6B6565B0D732}" dt="2024-09-11T20:06:59.896" v="174"/>
-          <ac:spMkLst>
-            <pc:docMk/>
-            <pc:sldMk cId="1481080014" sldId="261"/>
-            <ac:spMk id="9" creationId="{B937640E-EF7A-4A6C-A950-D12B7D5C923E}"/>
-          </ac:spMkLst>
-        </pc:spChg>
-        <pc:spChg chg="add">
-          <ac:chgData name="Mathias DABSENCE" userId="S::mathias.dabsence@ortmontreuil.fr::dac2fe1d-e19f-47b3-acab-313035156042" providerId="AD" clId="Web-{3029D629-9078-8D51-321F-6B6565B0D732}" dt="2024-09-11T20:06:59.896" v="174"/>
-          <ac:spMkLst>
-            <pc:docMk/>
-            <pc:sldMk cId="1481080014" sldId="261"/>
-            <ac:spMk id="11" creationId="{76ADA084-C86B-4F3C-8077-6A8999CC4632}"/>
-          </ac:spMkLst>
-        </pc:spChg>
-        <pc:picChg chg="add">
-          <ac:chgData name="Mathias DABSENCE" userId="S::mathias.dabsence@ortmontreuil.fr::dac2fe1d-e19f-47b3-acab-313035156042" providerId="AD" clId="Web-{3029D629-9078-8D51-321F-6B6565B0D732}" dt="2024-09-11T20:06:59.896" v="174"/>
-          <ac:picMkLst>
-            <pc:docMk/>
-            <pc:sldMk cId="1481080014" sldId="261"/>
-            <ac:picMk id="5" creationId="{3FB3EE7E-1746-5D3F-A78B-07B352168724}"/>
-          </ac:picMkLst>
-        </pc:picChg>
-      </pc:sldChg>
-      <pc:sldChg chg="addSp delSp modSp mod setBg">
-        <pc:chgData name="Mathias DABSENCE" userId="S::mathias.dabsence@ortmontreuil.fr::dac2fe1d-e19f-47b3-acab-313035156042" providerId="AD" clId="Web-{3029D629-9078-8D51-321F-6B6565B0D732}" dt="2024-09-11T20:55:36.976" v="534" actId="20577"/>
-        <pc:sldMkLst>
-          <pc:docMk/>
-          <pc:sldMk cId="87833669" sldId="262"/>
-        </pc:sldMkLst>
-        <pc:spChg chg="mod">
-          <ac:chgData name="Mathias DABSENCE" userId="S::mathias.dabsence@ortmontreuil.fr::dac2fe1d-e19f-47b3-acab-313035156042" providerId="AD" clId="Web-{3029D629-9078-8D51-321F-6B6565B0D732}" dt="2024-09-11T20:55:36.976" v="534" actId="20577"/>
-          <ac:spMkLst>
-            <pc:docMk/>
-            <pc:sldMk cId="87833669" sldId="262"/>
-            <ac:spMk id="2" creationId="{B4A2BC57-7B34-97ED-E775-4CBC1B6BD6DC}"/>
-          </ac:spMkLst>
-        </pc:spChg>
-        <pc:spChg chg="del mod">
-          <ac:chgData name="Mathias DABSENCE" userId="S::mathias.dabsence@ortmontreuil.fr::dac2fe1d-e19f-47b3-acab-313035156042" providerId="AD" clId="Web-{3029D629-9078-8D51-321F-6B6565B0D732}" dt="2024-09-11T20:55:20.646" v="533"/>
-          <ac:spMkLst>
-            <pc:docMk/>
-            <pc:sldMk cId="87833669" sldId="262"/>
-            <ac:spMk id="3" creationId="{F0FB51AA-E258-93F1-A960-C3CF7970CEC0}"/>
-          </ac:spMkLst>
-        </pc:spChg>
-        <pc:spChg chg="add">
-          <ac:chgData name="Mathias DABSENCE" userId="S::mathias.dabsence@ortmontreuil.fr::dac2fe1d-e19f-47b3-acab-313035156042" providerId="AD" clId="Web-{3029D629-9078-8D51-321F-6B6565B0D732}" dt="2024-09-11T20:55:20.646" v="533"/>
-          <ac:spMkLst>
-            <pc:docMk/>
-            <pc:sldMk cId="87833669" sldId="262"/>
-            <ac:spMk id="9" creationId="{B937640E-EF7A-4A6C-A950-D12B7D5C923E}"/>
-          </ac:spMkLst>
-        </pc:spChg>
-        <pc:spChg chg="add">
-          <ac:chgData name="Mathias DABSENCE" userId="S::mathias.dabsence@ortmontreuil.fr::dac2fe1d-e19f-47b3-acab-313035156042" providerId="AD" clId="Web-{3029D629-9078-8D51-321F-6B6565B0D732}" dt="2024-09-11T20:55:20.646" v="533"/>
-          <ac:spMkLst>
-            <pc:docMk/>
-            <pc:sldMk cId="87833669" sldId="262"/>
-            <ac:spMk id="11" creationId="{6A13B2A7-A44E-4940-9367-4788F2807FB5}"/>
-          </ac:spMkLst>
-        </pc:spChg>
-        <pc:spChg chg="add">
-          <ac:chgData name="Mathias DABSENCE" userId="S::mathias.dabsence@ortmontreuil.fr::dac2fe1d-e19f-47b3-acab-313035156042" providerId="AD" clId="Web-{3029D629-9078-8D51-321F-6B6565B0D732}" dt="2024-09-11T20:55:20.646" v="533"/>
-          <ac:spMkLst>
-            <pc:docMk/>
-            <pc:sldMk cId="87833669" sldId="262"/>
-            <ac:spMk id="13" creationId="{ADBF9A7D-DF04-4422-981B-76DFC7208897}"/>
-          </ac:spMkLst>
-        </pc:spChg>
-        <pc:graphicFrameChg chg="add">
-          <ac:chgData name="Mathias DABSENCE" userId="S::mathias.dabsence@ortmontreuil.fr::dac2fe1d-e19f-47b3-acab-313035156042" providerId="AD" clId="Web-{3029D629-9078-8D51-321F-6B6565B0D732}" dt="2024-09-11T20:55:20.646" v="533"/>
-          <ac:graphicFrameMkLst>
-            <pc:docMk/>
-            <pc:sldMk cId="87833669" sldId="262"/>
-            <ac:graphicFrameMk id="5" creationId="{8CBAABA4-92B9-B258-3F08-7ED0F4328F82}"/>
-          </ac:graphicFrameMkLst>
-        </pc:graphicFrameChg>
-      </pc:sldChg>
-      <pc:sldChg chg="modSp">
-        <pc:chgData name="Mathias DABSENCE" userId="S::mathias.dabsence@ortmontreuil.fr::dac2fe1d-e19f-47b3-acab-313035156042" providerId="AD" clId="Web-{3029D629-9078-8D51-321F-6B6565B0D732}" dt="2024-09-11T20:53:47.515" v="520" actId="20577"/>
-        <pc:sldMkLst>
-          <pc:docMk/>
-          <pc:sldMk cId="2982904602" sldId="263"/>
-        </pc:sldMkLst>
-        <pc:spChg chg="mod">
-          <ac:chgData name="Mathias DABSENCE" userId="S::mathias.dabsence@ortmontreuil.fr::dac2fe1d-e19f-47b3-acab-313035156042" providerId="AD" clId="Web-{3029D629-9078-8D51-321F-6B6565B0D732}" dt="2024-09-11T20:53:47.515" v="520" actId="20577"/>
-          <ac:spMkLst>
-            <pc:docMk/>
-            <pc:sldMk cId="2982904602" sldId="263"/>
-            <ac:spMk id="3" creationId="{9AF2301F-8CAA-5630-EE03-4A6681EE374C}"/>
-          </ac:spMkLst>
-        </pc:spChg>
-      </pc:sldChg>
-    </pc:docChg>
-  </pc:docChgLst>
-  <pc:docChgLst>
-    <pc:chgData name="Mathias DABSENCE" userId="S::mathias.dabsence@ortmontreuil.fr::dac2fe1d-e19f-47b3-acab-313035156042" providerId="AD" clId="Web-{DF3C19D6-897E-C93E-171E-E48F309E5AA1}"/>
-    <pc:docChg chg="modSld">
-      <pc:chgData name="Mathias DABSENCE" userId="S::mathias.dabsence@ortmontreuil.fr::dac2fe1d-e19f-47b3-acab-313035156042" providerId="AD" clId="Web-{DF3C19D6-897E-C93E-171E-E48F309E5AA1}" dt="2024-09-12T12:06:17.455" v="26" actId="20577"/>
-      <pc:docMkLst>
-        <pc:docMk/>
-      </pc:docMkLst>
-      <pc:sldChg chg="modSp">
-        <pc:chgData name="Mathias DABSENCE" userId="S::mathias.dabsence@ortmontreuil.fr::dac2fe1d-e19f-47b3-acab-313035156042" providerId="AD" clId="Web-{DF3C19D6-897E-C93E-171E-E48F309E5AA1}" dt="2024-09-12T12:06:17.455" v="26" actId="20577"/>
-        <pc:sldMkLst>
-          <pc:docMk/>
-          <pc:sldMk cId="3639831743" sldId="260"/>
-        </pc:sldMkLst>
-        <pc:spChg chg="mod">
-          <ac:chgData name="Mathias DABSENCE" userId="S::mathias.dabsence@ortmontreuil.fr::dac2fe1d-e19f-47b3-acab-313035156042" providerId="AD" clId="Web-{DF3C19D6-897E-C93E-171E-E48F309E5AA1}" dt="2024-09-12T12:06:17.455" v="26" actId="20577"/>
-          <ac:spMkLst>
-            <pc:docMk/>
-            <pc:sldMk cId="3639831743" sldId="260"/>
-            <ac:spMk id="3" creationId="{E201DA5C-5829-022E-BECF-DB687ADD3B01}"/>
-          </ac:spMkLst>
-        </pc:spChg>
-      </pc:sldChg>
-      <pc:sldChg chg="modSp">
-        <pc:chgData name="Mathias DABSENCE" userId="S::mathias.dabsence@ortmontreuil.fr::dac2fe1d-e19f-47b3-acab-313035156042" providerId="AD" clId="Web-{DF3C19D6-897E-C93E-171E-E48F309E5AA1}" dt="2024-09-12T12:05:56.564" v="20" actId="20577"/>
-        <pc:sldMkLst>
-          <pc:docMk/>
-          <pc:sldMk cId="2982904602" sldId="263"/>
-        </pc:sldMkLst>
-        <pc:spChg chg="mod">
-          <ac:chgData name="Mathias DABSENCE" userId="S::mathias.dabsence@ortmontreuil.fr::dac2fe1d-e19f-47b3-acab-313035156042" providerId="AD" clId="Web-{DF3C19D6-897E-C93E-171E-E48F309E5AA1}" dt="2024-09-12T12:05:56.564" v="20" actId="20577"/>
-          <ac:spMkLst>
-            <pc:docMk/>
-            <pc:sldMk cId="2982904602" sldId="263"/>
-            <ac:spMk id="2" creationId="{EE272AB0-6286-A686-F113-D808C2F2A913}"/>
-          </ac:spMkLst>
-        </pc:spChg>
-      </pc:sldChg>
-    </pc:docChg>
-  </pc:docChgLst>
-</pc:chgInfo>
 </file>
 
 <file path=ppt/diagrams/colors1.xml><?xml version="1.0" encoding="utf-8"?>
@@ -8924,7 +7823,7 @@
           <a:p>
             <a:fld id="{79C5A860-F335-4252-AA00-24FB67ED2982}" type="datetime1">
               <a:rPr lang="en-US" smtClean="0"/>
-              <a:t>9/27/2024</a:t>
+              <a:t>3/12/2025</a:t>
             </a:fld>
             <a:endParaRPr lang="en-US"/>
           </a:p>
@@ -9122,7 +8021,7 @@
           <a:p>
             <a:fld id="{46AB1048-0047-48CA-88BA-D69B470942CF}" type="datetime1">
               <a:rPr lang="en-US" smtClean="0"/>
-              <a:t>9/27/2024</a:t>
+              <a:t>3/12/2025</a:t>
             </a:fld>
             <a:endParaRPr lang="en-US"/>
           </a:p>
@@ -9330,7 +8229,7 @@
           <a:p>
             <a:fld id="{5BD83879-648C-49A9-81A2-0EF5946532D0}" type="datetime1">
               <a:rPr lang="en-US" smtClean="0"/>
-              <a:t>9/27/2024</a:t>
+              <a:t>3/12/2025</a:t>
             </a:fld>
             <a:endParaRPr lang="en-US"/>
           </a:p>
@@ -9528,7 +8427,7 @@
           <a:p>
             <a:fld id="{D04BC802-30E3-4658-9CCA-F873646FEC67}" type="datetime1">
               <a:rPr lang="en-US" smtClean="0"/>
-              <a:t>9/27/2024</a:t>
+              <a:t>3/12/2025</a:t>
             </a:fld>
             <a:endParaRPr lang="en-US"/>
           </a:p>
@@ -9805,7 +8704,7 @@
           <a:p>
             <a:fld id="{0AB227A3-19CE-4153-81CE-64EB7AB094B3}" type="datetime1">
               <a:rPr lang="en-US" smtClean="0"/>
-              <a:t>9/27/2024</a:t>
+              <a:t>3/12/2025</a:t>
             </a:fld>
             <a:endParaRPr lang="en-US"/>
           </a:p>
@@ -10070,7 +8969,7 @@
           <a:p>
             <a:fld id="{B819A100-10F6-477E-8847-29D479EF1C92}" type="datetime1">
               <a:rPr lang="en-US" smtClean="0"/>
-              <a:t>9/27/2024</a:t>
+              <a:t>3/12/2025</a:t>
             </a:fld>
             <a:endParaRPr lang="en-US"/>
           </a:p>
@@ -10482,7 +9381,7 @@
           <a:p>
             <a:fld id="{5DF128AB-198A-495F-8475-FDB360C9873F}" type="datetime1">
               <a:rPr lang="en-US" smtClean="0"/>
-              <a:t>9/27/2024</a:t>
+              <a:t>3/12/2025</a:t>
             </a:fld>
             <a:endParaRPr lang="en-US"/>
           </a:p>
@@ -10623,7 +9522,7 @@
           <a:p>
             <a:fld id="{021A235E-F8FD-479F-9FC7-18BE84110877}" type="datetime1">
               <a:rPr lang="en-US" smtClean="0"/>
-              <a:t>9/27/2024</a:t>
+              <a:t>3/12/2025</a:t>
             </a:fld>
             <a:endParaRPr lang="en-US"/>
           </a:p>
@@ -10736,7 +9635,7 @@
           <a:p>
             <a:fld id="{E890F09B-68DA-462E-9DB4-4C9ADAB8CBCC}" type="datetime1">
               <a:rPr lang="en-US" smtClean="0"/>
-              <a:t>9/27/2024</a:t>
+              <a:t>3/12/2025</a:t>
             </a:fld>
             <a:endParaRPr lang="en-US"/>
           </a:p>
@@ -11053,7 +9952,7 @@
           <a:p>
             <a:fld id="{17AC4E36-FABE-47EB-AA7F-C19A93824617}" type="datetime1">
               <a:rPr lang="en-US" smtClean="0"/>
-              <a:t>9/27/2024</a:t>
+              <a:t>3/12/2025</a:t>
             </a:fld>
             <a:endParaRPr lang="en-US"/>
           </a:p>
@@ -11348,7 +10247,7 @@
           <a:p>
             <a:fld id="{F199CE6B-5DE6-4A2D-B72E-5E8969F9F56F}" type="datetime1">
               <a:rPr lang="en-US" smtClean="0"/>
-              <a:t>9/27/2024</a:t>
+              <a:t>3/12/2025</a:t>
             </a:fld>
             <a:endParaRPr lang="en-US"/>
           </a:p>
@@ -12204,7 +11103,7 @@
           <a:p>
             <a:fld id="{F481A142-DA77-4A5F-AD1F-14E6C18F0F5F}" type="datetime1">
               <a:rPr lang="en-US" smtClean="0"/>
-              <a:t>9/27/2024</a:t>
+              <a:t>3/12/2025</a:t>
             </a:fld>
             <a:endParaRPr lang="en-US"/>
           </a:p>
@@ -13612,6 +12511,94 @@
           <p:cNvPr id="2" name="Titre 1">
             <a:extLst>
               <a:ext uri="{FF2B5EF4-FFF2-40B4-BE49-F238E27FC236}">
+                <a16:creationId xmlns:a16="http://schemas.microsoft.com/office/drawing/2014/main" id="{122425D9-8A75-4D6B-1809-63A8A6C3DD02}"/>
+              </a:ext>
+            </a:extLst>
+          </p:cNvPr>
+          <p:cNvSpPr>
+            <a:spLocks noGrp="1"/>
+          </p:cNvSpPr>
+          <p:nvPr>
+            <p:ph type="title"/>
+          </p:nvPr>
+        </p:nvSpPr>
+        <p:spPr/>
+        <p:txBody>
+          <a:bodyPr vert="horz" lIns="91440" tIns="45720" rIns="91440" bIns="45720" rtlCol="0" anchor="ctr">
+            <a:normAutofit/>
+          </a:bodyPr>
+          <a:lstStyle/>
+          <a:p>
+            <a:pPr algn="ctr"/>
+            <a:r>
+              <a:rPr lang="fr-FR">
+                <a:cs typeface="Posterama"/>
+              </a:rPr>
+              <a:t>Qu'est-ce que la CCAS ?</a:t>
+            </a:r>
+          </a:p>
+        </p:txBody>
+      </p:sp>
+      <p:sp>
+        <p:nvSpPr>
+          <p:cNvPr id="3" name="Espace réservé du contenu 2">
+            <a:extLst>
+              <a:ext uri="{FF2B5EF4-FFF2-40B4-BE49-F238E27FC236}">
+                <a16:creationId xmlns:a16="http://schemas.microsoft.com/office/drawing/2014/main" id="{639AAAE5-DA91-0792-D66B-1CC542CE1C27}"/>
+              </a:ext>
+            </a:extLst>
+          </p:cNvPr>
+          <p:cNvSpPr>
+            <a:spLocks noGrp="1"/>
+          </p:cNvSpPr>
+          <p:nvPr>
+            <p:ph idx="1"/>
+          </p:nvPr>
+        </p:nvSpPr>
+        <p:spPr/>
+        <p:txBody>
+          <a:bodyPr/>
+          <a:lstStyle/>
+          <a:p>
+            <a:endParaRPr lang="fr-FR"/>
+          </a:p>
+        </p:txBody>
+      </p:sp>
+    </p:spTree>
+    <p:extLst>
+      <p:ext uri="{BB962C8B-B14F-4D97-AF65-F5344CB8AC3E}">
+        <p14:creationId xmlns:p14="http://schemas.microsoft.com/office/powerpoint/2010/main" val="3423176735"/>
+      </p:ext>
+    </p:extLst>
+  </p:cSld>
+  <p:clrMapOvr>
+    <a:masterClrMapping/>
+  </p:clrMapOvr>
+</p:sld>
+</file>
+
+<file path=ppt/slides/slide3.xml><?xml version="1.0" encoding="utf-8"?>
+<p:sld xmlns:a="http://schemas.openxmlformats.org/drawingml/2006/main" xmlns:r="http://schemas.openxmlformats.org/officeDocument/2006/relationships" xmlns:p="http://schemas.openxmlformats.org/presentationml/2006/main">
+  <p:cSld>
+    <p:spTree>
+      <p:nvGrpSpPr>
+        <p:cNvPr id="1" name=""/>
+        <p:cNvGrpSpPr/>
+        <p:nvPr/>
+      </p:nvGrpSpPr>
+      <p:grpSpPr>
+        <a:xfrm>
+          <a:off x="0" y="0"/>
+          <a:ext cx="0" cy="0"/>
+          <a:chOff x="0" y="0"/>
+          <a:chExt cx="0" cy="0"/>
+        </a:xfrm>
+      </p:grpSpPr>
+      <p:sp>
+        <p:nvSpPr>
+          <p:cNvPr id="2" name="Titre 1">
+            <a:extLst>
+              <a:ext uri="{FF2B5EF4-FFF2-40B4-BE49-F238E27FC236}">
                 <a16:creationId xmlns:a16="http://schemas.microsoft.com/office/drawing/2014/main" id="{D52291DF-881A-8ABE-96BC-DFD3319D5E42}"/>
               </a:ext>
             </a:extLst>
@@ -13750,7 +12737,7 @@
 </p:sld>
 </file>
 
-<file path=ppt/slides/slide3.xml><?xml version="1.0" encoding="utf-8"?>
+<file path=ppt/slides/slide4.xml><?xml version="1.0" encoding="utf-8"?>
 <p:sld xmlns:a="http://schemas.openxmlformats.org/drawingml/2006/main" xmlns:r="http://schemas.openxmlformats.org/officeDocument/2006/relationships" xmlns:p="http://schemas.openxmlformats.org/presentationml/2006/main">
   <p:cSld>
     <p:bg>
@@ -14260,7 +13247,7 @@
 </p:sld>
 </file>
 
-<file path=ppt/slides/slide4.xml><?xml version="1.0" encoding="utf-8"?>
+<file path=ppt/slides/slide5.xml><?xml version="1.0" encoding="utf-8"?>
 <p:sld xmlns:a="http://schemas.openxmlformats.org/drawingml/2006/main" xmlns:r="http://schemas.openxmlformats.org/officeDocument/2006/relationships" xmlns:p="http://schemas.openxmlformats.org/presentationml/2006/main">
   <p:cSld>
     <p:bg>
@@ -14814,7 +13801,7 @@
 </p:sld>
 </file>
 
-<file path=ppt/slides/slide5.xml><?xml version="1.0" encoding="utf-8"?>
+<file path=ppt/slides/slide6.xml><?xml version="1.0" encoding="utf-8"?>
 <p:sld xmlns:a="http://schemas.openxmlformats.org/drawingml/2006/main" xmlns:r="http://schemas.openxmlformats.org/officeDocument/2006/relationships" xmlns:p="http://schemas.openxmlformats.org/presentationml/2006/main">
   <p:cSld>
     <p:bg>
@@ -15325,7 +14312,7 @@
 </p:sld>
 </file>
 
-<file path=ppt/slides/slide6.xml><?xml version="1.0" encoding="utf-8"?>
+<file path=ppt/slides/slide7.xml><?xml version="1.0" encoding="utf-8"?>
 <p:sld xmlns:a="http://schemas.openxmlformats.org/drawingml/2006/main" xmlns:r="http://schemas.openxmlformats.org/officeDocument/2006/relationships" xmlns:p="http://schemas.openxmlformats.org/presentationml/2006/main">
   <p:cSld>
     <p:spTree>
@@ -15434,7 +14421,7 @@
             </a:pPr>
             <a:r>
               <a:rPr lang="fr-FR" dirty="0"/>
-              <a:t>Garantie les droits des personnes en matière de protection des données</a:t>
+              <a:t>Droits des individus (Accès, rectification, effacement, opposition, portabilité et limitation)</a:t>
             </a:r>
           </a:p>
           <a:p>
@@ -15444,7 +14431,7 @@
             </a:pPr>
             <a:r>
               <a:rPr lang="fr-FR" dirty="0"/>
-              <a:t>Mesures de sécurité conforme à la RGPD</a:t>
+              <a:t>Mesures de sécurité conforme à la RGPD (serveurs sécurisés et hébergés en UE, cryptage des données sensibles)</a:t>
             </a:r>
           </a:p>
           <a:p>
@@ -15452,27 +14439,9 @@
               <a:buFont typeface="Calibri" panose="020B0504020202020204" pitchFamily="34" charset="0"/>
               <a:buChar char="-"/>
             </a:pPr>
-            <a:endParaRPr lang="fr-FR" dirty="0"/>
-          </a:p>
-          <a:p>
-            <a:pPr marL="342900" indent="-342900">
-              <a:buFont typeface="Calibri" panose="020B0504020202020204" pitchFamily="34" charset="0"/>
-              <a:buChar char="-"/>
-            </a:pPr>
-            <a:endParaRPr lang="fr-FR" dirty="0"/>
-          </a:p>
-          <a:p>
-            <a:pPr marL="342900" indent="-342900">
-              <a:buFont typeface="Calibri" panose="020B0504020202020204" pitchFamily="34" charset="0"/>
-              <a:buChar char="-"/>
-            </a:pPr>
             <a:r>
-              <a:rPr lang="fr-FR" sz="2800" b="1" dirty="0">
-                <a:solidFill>
-                  <a:srgbClr val="FF0000"/>
-                </a:solidFill>
-              </a:rPr>
-              <a:t>Ajouter des choses concrètes (exemples)</a:t>
+              <a:rPr lang="fr-FR" dirty="0"/>
+              <a:t>Finalités des traitements : gestion des prestations, communication des informations liées aux activités de la CCAS et gestion des contrats et des ressources humaines</a:t>
             </a:r>
           </a:p>
         </p:txBody>
@@ -15490,7 +14459,7 @@
 </p:sld>
 </file>
 
-<file path=ppt/slides/slide7.xml><?xml version="1.0" encoding="utf-8"?>
+<file path=ppt/slides/slide8.xml><?xml version="1.0" encoding="utf-8"?>
 <p:sld xmlns:a="http://schemas.openxmlformats.org/drawingml/2006/main" xmlns:r="http://schemas.openxmlformats.org/officeDocument/2006/relationships" xmlns:p="http://schemas.openxmlformats.org/presentationml/2006/main">
   <p:cSld>
     <p:spTree>
@@ -15523,7 +14492,7 @@
             <p:ph idx="1"/>
             <p:extLst>
               <p:ext uri="{D42A27DB-BD31-4B8C-83A1-F6EECF244321}">
-                <p14:modId xmlns:p14="http://schemas.microsoft.com/office/powerpoint/2010/main" val="1888090617"/>
+                <p14:modId xmlns:p14="http://schemas.microsoft.com/office/powerpoint/2010/main" val="2807600030"/>
               </p:ext>
             </p:extLst>
           </p:nvPr>
@@ -15955,14 +14924,14 @@
                         <a:buNone/>
                       </a:pPr>
                       <a:r>
-                        <a:rPr lang="fr-FR" sz="3200" b="1" i="0" u="none" strike="noStrike" dirty="0">
+                        <a:rPr lang="fr-FR" sz="1800" b="0" i="0" u="none" strike="noStrike" noProof="0" dirty="0">
                           <a:solidFill>
-                            <a:srgbClr val="FF0000"/>
+                            <a:srgbClr val="000000"/>
                           </a:solidFill>
                           <a:effectLst/>
                           <a:latin typeface="Aptos"/>
                         </a:rPr>
-                        <a:t>EN INTERNE</a:t>
+                        <a:t>Présente sur tout le territoire français, permettant une accessibilité étendue</a:t>
                       </a:r>
                     </a:p>
                   </a:txBody>
@@ -16009,14 +14978,14 @@
                         <a:buNone/>
                       </a:pPr>
                       <a:r>
-                        <a:rPr lang="fr-FR" sz="3200" b="1" i="0" u="none" strike="noStrike" dirty="0">
+                        <a:rPr lang="fr-FR" sz="1800" b="0" i="0" u="none" strike="noStrike" noProof="0" dirty="0">
                           <a:solidFill>
-                            <a:srgbClr val="FF0000"/>
+                            <a:srgbClr val="000000"/>
                           </a:solidFill>
                           <a:effectLst/>
                           <a:latin typeface="Aptos"/>
                         </a:rPr>
-                        <a:t>EN INTERNE</a:t>
+                        <a:t>Forte rotation du personnel externe à l'entreprise, qui constitue la majorité des effectifs de l'entreprise</a:t>
                       </a:r>
                     </a:p>
                   </a:txBody>
@@ -16191,11 +15160,17 @@
                       <a:pPr lvl="0" algn="ctr">
                         <a:buNone/>
                       </a:pPr>
-                      <a:endParaRPr lang="fr-FR" sz="1800" b="0" i="0" u="none" strike="noStrike" dirty="0">
-                        <a:solidFill>
-                          <a:srgbClr val="000000"/>
-                        </a:solidFill>
-                        <a:effectLst/>
+                      <a:r>
+                        <a:rPr lang="fr-FR" sz="1800" b="0" i="0" u="none" strike="noStrike" noProof="0" dirty="0">
+                          <a:solidFill>
+                            <a:srgbClr val="000000"/>
+                          </a:solidFill>
+                          <a:effectLst/>
+                          <a:latin typeface="Aptos"/>
+                        </a:rPr>
+                        <a:t>Offre diversifiée d’aides et de prestations adaptées aux besoins des bénéficiaires</a:t>
+                      </a:r>
+                      <a:endParaRPr lang="fr-FR" dirty="0">
                         <a:latin typeface="Aptos"/>
                       </a:endParaRPr>
                     </a:p>
@@ -16243,35 +15218,18 @@
                         <a:buNone/>
                       </a:pPr>
                       <a:r>
-                        <a:rPr lang="fr-FR" sz="1800" b="0" i="0" u="none" strike="noStrike" dirty="0">
+                        <a:rPr lang="fr-FR" sz="1800" b="0" i="0" u="none" strike="noStrike" noProof="0" dirty="0">
                           <a:solidFill>
                             <a:srgbClr val="000000"/>
                           </a:solidFill>
                           <a:effectLst/>
                           <a:latin typeface="Aptos"/>
                         </a:rPr>
-                        <a:t>Beaucoup de personnel externe à l'</a:t>
+                        <a:t>Les processus sont parfois jugés lourds et manquent de flexibilité pour les bénéficiaires.</a:t>
                       </a:r>
-                      <a:r>
-                        <a:rPr lang="fr-FR" sz="1800" b="0" i="0" u="none" strike="noStrike">
-                          <a:solidFill>
-                            <a:srgbClr val="000000"/>
-                          </a:solidFill>
-                          <a:effectLst/>
-                          <a:latin typeface="Aptos"/>
-                        </a:rPr>
-                        <a:t>entreprise</a:t>
-                      </a:r>
-                      <a:r>
-                        <a:rPr lang="fr-FR" sz="1800" b="0" i="0" u="none" strike="noStrike" dirty="0">
-                          <a:solidFill>
-                            <a:srgbClr val="000000"/>
-                          </a:solidFill>
-                          <a:effectLst/>
-                          <a:latin typeface="Aptos"/>
-                        </a:rPr>
-                        <a:t> qui changent souvent</a:t>
-                      </a:r>
+                      <a:endParaRPr lang="fr-FR" dirty="0">
+                        <a:latin typeface="Aptos"/>
+                      </a:endParaRPr>
                     </a:p>
                   </a:txBody>
                   <a:tcPr marL="42537" marR="42537" marT="21267" marB="21267" anchor="ctr">
@@ -16783,6 +15741,138 @@
 </p:sld>
 </file>
 
+<file path=ppt/slides/slide9.xml><?xml version="1.0" encoding="utf-8"?>
+<p:sld xmlns:a="http://schemas.openxmlformats.org/drawingml/2006/main" xmlns:r="http://schemas.openxmlformats.org/officeDocument/2006/relationships" xmlns:p="http://schemas.openxmlformats.org/presentationml/2006/main">
+  <p:cSld>
+    <p:spTree>
+      <p:nvGrpSpPr>
+        <p:cNvPr id="1" name=""/>
+        <p:cNvGrpSpPr/>
+        <p:nvPr/>
+      </p:nvGrpSpPr>
+      <p:grpSpPr>
+        <a:xfrm>
+          <a:off x="0" y="0"/>
+          <a:ext cx="0" cy="0"/>
+          <a:chOff x="0" y="0"/>
+          <a:chExt cx="0" cy="0"/>
+        </a:xfrm>
+      </p:grpSpPr>
+      <p:sp>
+        <p:nvSpPr>
+          <p:cNvPr id="2" name="Titre 1">
+            <a:extLst>
+              <a:ext uri="{FF2B5EF4-FFF2-40B4-BE49-F238E27FC236}">
+                <a16:creationId xmlns:a16="http://schemas.microsoft.com/office/drawing/2014/main" id="{D8C92319-3D6E-2FA2-4FCB-110B84F0E786}"/>
+              </a:ext>
+            </a:extLst>
+          </p:cNvPr>
+          <p:cNvSpPr>
+            <a:spLocks noGrp="1"/>
+          </p:cNvSpPr>
+          <p:nvPr>
+            <p:ph type="title"/>
+          </p:nvPr>
+        </p:nvSpPr>
+        <p:spPr/>
+        <p:txBody>
+          <a:bodyPr>
+            <a:normAutofit fontScale="90000"/>
+          </a:bodyPr>
+          <a:lstStyle/>
+          <a:p>
+            <a:r>
+              <a:rPr lang="fr-FR" dirty="0">
+                <a:cs typeface="Posterama"/>
+              </a:rPr>
+              <a:t>Mon rôle au sein de la CCAS en tant qu'apprenti administrateur réseau</a:t>
+            </a:r>
+            <a:endParaRPr lang="fr-FR" dirty="0"/>
+          </a:p>
+        </p:txBody>
+      </p:sp>
+      <p:sp>
+        <p:nvSpPr>
+          <p:cNvPr id="3" name="Espace réservé du contenu 2">
+            <a:extLst>
+              <a:ext uri="{FF2B5EF4-FFF2-40B4-BE49-F238E27FC236}">
+                <a16:creationId xmlns:a16="http://schemas.microsoft.com/office/drawing/2014/main" id="{BB7A3A28-A350-2E0F-2DAD-0D97D14C35CB}"/>
+              </a:ext>
+            </a:extLst>
+          </p:cNvPr>
+          <p:cNvSpPr>
+            <a:spLocks noGrp="1"/>
+          </p:cNvSpPr>
+          <p:nvPr>
+            <p:ph idx="1"/>
+          </p:nvPr>
+        </p:nvSpPr>
+        <p:spPr/>
+        <p:txBody>
+          <a:bodyPr vert="horz" lIns="91440" tIns="45720" rIns="91440" bIns="45720" rtlCol="0" anchor="t">
+            <a:normAutofit/>
+          </a:bodyPr>
+          <a:lstStyle/>
+          <a:p>
+            <a:pPr marL="342900" indent="-342900">
+              <a:buFont typeface="Calibri" panose="020B0504020202020204" pitchFamily="34" charset="0"/>
+              <a:buChar char="-"/>
+            </a:pPr>
+            <a:r>
+              <a:rPr lang="fr-FR"/>
+              <a:t>Configurer les switches des sites (antennes, restaurant, etc.</a:t>
+            </a:r>
+            <a:r>
+              <a:rPr lang="fr-FR" dirty="0"/>
+              <a:t>)</a:t>
+            </a:r>
+            <a:endParaRPr lang="fr-FR"/>
+          </a:p>
+          <a:p>
+            <a:pPr marL="342900" indent="-342900">
+              <a:buFont typeface="Calibri" panose="020B0504020202020204" pitchFamily="34" charset="0"/>
+              <a:buChar char="-"/>
+            </a:pPr>
+            <a:r>
+              <a:rPr lang="fr-FR"/>
+              <a:t>Résoudre les tickets d'incidents</a:t>
+            </a:r>
+          </a:p>
+          <a:p>
+            <a:pPr marL="342900" indent="-342900">
+              <a:buFont typeface="Calibri" panose="020B0504020202020204" pitchFamily="34" charset="0"/>
+              <a:buChar char="-"/>
+            </a:pPr>
+            <a:r>
+              <a:rPr lang="fr-FR"/>
+              <a:t>Passer des commandes de lignes Orange</a:t>
+            </a:r>
+          </a:p>
+          <a:p>
+            <a:pPr marL="342900" indent="-342900">
+              <a:buFont typeface="Calibri" panose="020B0504020202020204" pitchFamily="34" charset="0"/>
+              <a:buChar char="-"/>
+            </a:pPr>
+            <a:r>
+              <a:rPr lang="fr-FR"/>
+              <a:t>Résilier des lignes Orange</a:t>
+            </a:r>
+          </a:p>
+        </p:txBody>
+      </p:sp>
+    </p:spTree>
+    <p:extLst>
+      <p:ext uri="{BB962C8B-B14F-4D97-AF65-F5344CB8AC3E}">
+        <p14:creationId xmlns:p14="http://schemas.microsoft.com/office/powerpoint/2010/main" val="4246175438"/>
+      </p:ext>
+    </p:extLst>
+  </p:cSld>
+  <p:clrMapOvr>
+    <a:masterClrMapping/>
+  </p:clrMapOvr>
+</p:sld>
+</file>
+
 <file path=ppt/theme/theme1.xml><?xml version="1.0" encoding="utf-8"?>
 <a:theme xmlns:a="http://schemas.openxmlformats.org/drawingml/2006/main" name="SplashVTI">
   <a:themeElements>
